--- a/莊傳偉小專發表.pptx
+++ b/莊傳偉小專發表.pptx
@@ -31,11 +31,6 @@
       <p:bold r:id="rId11"/>
       <p:italic r:id="rId12"/>
       <p:boldItalic r:id="rId13"/>
-    </p:embeddedFont>
-    <p:embeddedFont>
-      <p:font typeface="Malgun Gothic" pitchFamily="34" charset="-127"/>
-      <p:regular r:id="rId14"/>
-      <p:bold r:id="rId15"/>
     </p:embeddedFont>
   </p:embeddedFontLst>
   <p:defaultTextStyle>
@@ -7057,21 +7052,21 @@
                 <a:latin typeface="MS Gothic" pitchFamily="49" charset="-128"/>
                 <a:ea typeface="MS Gothic" pitchFamily="49" charset="-128"/>
               </a:rPr>
-              <a:t>三週的訓練 → 檢核是否能應用</a:t>
-            </a:r>
-            <a:r>
-              <a:rPr lang="zh-TW" altLang="en-US" sz="1200" dirty="0" smtClean="0">
-                <a:latin typeface="MS Gothic" pitchFamily="49" charset="-128"/>
-                <a:ea typeface="MS Gothic" pitchFamily="49" charset="-128"/>
-              </a:rPr>
-              <a:t>應</a:t>
+              <a:t>三週的訓練 → 檢核是否能</a:t>
             </a:r>
             <a:r>
               <a:rPr lang="zh-TW" altLang="en-US" sz="2400" dirty="0" smtClean="0">
                 <a:latin typeface="MS Gothic" pitchFamily="49" charset="-128"/>
                 <a:ea typeface="MS Gothic" pitchFamily="49" charset="-128"/>
               </a:rPr>
-              <a:t>具備的技能</a:t>
+              <a:t>應用具備</a:t>
+            </a:r>
+            <a:r>
+              <a:rPr lang="zh-TW" altLang="en-US" sz="2400" dirty="0" smtClean="0">
+                <a:latin typeface="MS Gothic" pitchFamily="49" charset="-128"/>
+                <a:ea typeface="MS Gothic" pitchFamily="49" charset="-128"/>
+              </a:rPr>
+              <a:t>的技能</a:t>
             </a:r>
             <a:endParaRPr lang="en-US" altLang="zh-TW" sz="2400" dirty="0" smtClean="0">
               <a:latin typeface="MS Gothic" pitchFamily="49" charset="-128"/>
@@ -7129,12 +7124,30 @@
               <a:t>CSS3</a:t>
             </a:r>
             <a:r>
+              <a:rPr lang="zh-TW" altLang="en-US" sz="2400" dirty="0" smtClean="0">
+                <a:latin typeface="Source Sans Pro" charset="0"/>
+                <a:ea typeface="MS Gothic" pitchFamily="49" charset="-128"/>
+              </a:rPr>
+              <a:t>、</a:t>
+            </a:r>
+            <a:r>
+              <a:rPr lang="en-US" altLang="zh-TW" sz="2400" dirty="0" smtClean="0">
+                <a:latin typeface="Source Sans Pro" charset="0"/>
+                <a:ea typeface="MS Gothic" pitchFamily="49" charset="-128"/>
+              </a:rPr>
+              <a:t>Canvas…</a:t>
+            </a:r>
+            <a:r>
               <a:rPr lang="en-US" altLang="zh-TW" sz="2400" dirty="0" smtClean="0">
                 <a:latin typeface="MS Gothic" pitchFamily="49" charset="-128"/>
                 <a:ea typeface="MS Gothic" pitchFamily="49" charset="-128"/>
               </a:rPr>
               <a:t>) </a:t>
             </a:r>
+            <a:endParaRPr lang="en-US" altLang="zh-TW" sz="2400" dirty="0" smtClean="0">
+              <a:latin typeface="MS Gothic" pitchFamily="49" charset="-128"/>
+              <a:ea typeface="MS Gothic" pitchFamily="49" charset="-128"/>
+            </a:endParaRPr>
           </a:p>
           <a:p>
             <a:pPr lvl="0" indent="-381000">
@@ -7359,66 +7372,18 @@
           </a:prstGeom>
         </p:spPr>
       </p:pic>
-      <p:pic>
-        <p:nvPicPr>
-          <p:cNvPr id="11" name="圖片 10" descr="過程量表.png"/>
-          <p:cNvPicPr>
-            <a:picLocks noChangeAspect="1"/>
-          </p:cNvPicPr>
-          <p:nvPr/>
-        </p:nvPicPr>
-        <p:blipFill>
-          <a:blip r:embed="rId4"/>
-          <a:stretch>
-            <a:fillRect/>
-          </a:stretch>
-        </p:blipFill>
-        <p:spPr>
-          <a:xfrm>
-            <a:off x="4499992" y="2067694"/>
-            <a:ext cx="1656184" cy="2861469"/>
-          </a:xfrm>
-          <a:prstGeom prst="rect">
-            <a:avLst/>
-          </a:prstGeom>
-        </p:spPr>
-      </p:pic>
-      <p:pic>
-        <p:nvPicPr>
-          <p:cNvPr id="12" name="圖片 11" descr="結算畫面.png"/>
-          <p:cNvPicPr>
-            <a:picLocks noChangeAspect="1"/>
-          </p:cNvPicPr>
-          <p:nvPr/>
-        </p:nvPicPr>
-        <p:blipFill>
-          <a:blip r:embed="rId5"/>
-          <a:stretch>
-            <a:fillRect/>
-          </a:stretch>
-        </p:blipFill>
-        <p:spPr>
-          <a:xfrm>
-            <a:off x="7164288" y="987574"/>
-            <a:ext cx="1643553" cy="2863105"/>
-          </a:xfrm>
-          <a:prstGeom prst="rect">
-            <a:avLst/>
-          </a:prstGeom>
-        </p:spPr>
-      </p:pic>
       <p:cxnSp>
         <p:nvCxnSpPr>
           <p:cNvPr id="14" name="直線單箭頭接點 13"/>
           <p:cNvCxnSpPr>
-            <a:endCxn id="11" idx="1"/>
+            <a:endCxn id="13" idx="1"/>
           </p:cNvCxnSpPr>
           <p:nvPr/>
         </p:nvCxnSpPr>
         <p:spPr>
           <a:xfrm>
             <a:off x="3779912" y="2355726"/>
-            <a:ext cx="720080" cy="1142703"/>
+            <a:ext cx="720080" cy="1008073"/>
           </a:xfrm>
           <a:prstGeom prst="straightConnector1">
             <a:avLst/>
@@ -7452,14 +7417,15 @@
         <p:nvCxnSpPr>
           <p:cNvPr id="15" name="直線單箭頭接點 14"/>
           <p:cNvCxnSpPr>
-            <a:endCxn id="12" idx="1"/>
+            <a:stCxn id="13" idx="3"/>
+            <a:endCxn id="21" idx="1"/>
           </p:cNvCxnSpPr>
           <p:nvPr/>
         </p:nvCxnSpPr>
         <p:spPr>
           <a:xfrm flipV="1">
-            <a:off x="6156176" y="2419127"/>
-            <a:ext cx="1008112" cy="1088727"/>
+            <a:off x="6226820" y="2389473"/>
+            <a:ext cx="937468" cy="974326"/>
           </a:xfrm>
           <a:prstGeom prst="straightConnector1">
             <a:avLst/>
@@ -7618,6 +7584,55 @@
           </a:p>
         </p:txBody>
       </p:sp>
+      <p:pic>
+        <p:nvPicPr>
+          <p:cNvPr id="13" name="圖片 12" descr="波紋.png"/>
+          <p:cNvPicPr>
+            <a:picLocks noChangeAspect="1"/>
+          </p:cNvPicPr>
+          <p:nvPr/>
+        </p:nvPicPr>
+        <p:blipFill>
+          <a:blip r:embed="rId4"/>
+          <a:stretch>
+            <a:fillRect/>
+          </a:stretch>
+        </p:blipFill>
+        <p:spPr>
+          <a:xfrm>
+            <a:off x="4499992" y="1851670"/>
+            <a:ext cx="1726828" cy="3024258"/>
+          </a:xfrm>
+          <a:prstGeom prst="rect">
+            <a:avLst/>
+          </a:prstGeom>
+        </p:spPr>
+      </p:pic>
+      <p:pic>
+        <p:nvPicPr>
+          <p:cNvPr id="21" name="圖片 20" descr="結算畫面.png"/>
+          <p:cNvPicPr>
+            <a:picLocks noChangeAspect="1"/>
+          </p:cNvPicPr>
+          <p:nvPr/>
+        </p:nvPicPr>
+        <p:blipFill>
+          <a:blip r:embed="rId5"/>
+          <a:srcRect/>
+          <a:stretch>
+            <a:fillRect/>
+          </a:stretch>
+        </p:blipFill>
+        <p:spPr>
+          <a:xfrm>
+            <a:off x="7164288" y="843558"/>
+            <a:ext cx="1764743" cy="3091830"/>
+          </a:xfrm>
+          <a:prstGeom prst="rect">
+            <a:avLst/>
+          </a:prstGeom>
+        </p:spPr>
+      </p:pic>
     </p:spTree>
   </p:cSld>
   <p:clrMapOvr>
@@ -7679,14 +7694,14 @@
             </a:pPr>
             <a:r>
               <a:rPr lang="zh-TW" altLang="en-US" sz="2800" dirty="0" smtClean="0">
-                <a:latin typeface="Malgun Gothic" pitchFamily="34" charset="-127"/>
-                <a:ea typeface="Malgun Gothic" pitchFamily="34" charset="-127"/>
+                <a:latin typeface="MS Gothic" pitchFamily="49" charset="-128"/>
+                <a:ea typeface="MS Gothic" pitchFamily="49" charset="-128"/>
               </a:rPr>
               <a:t>過程難題</a:t>
             </a:r>
             <a:endParaRPr sz="2800" dirty="0">
-              <a:latin typeface="Malgun Gothic" pitchFamily="34" charset="-127"/>
-              <a:ea typeface="Malgun Gothic" pitchFamily="34" charset="-127"/>
+              <a:latin typeface="MS Gothic" pitchFamily="49" charset="-128"/>
+              <a:ea typeface="MS Gothic" pitchFamily="49" charset="-128"/>
             </a:endParaRPr>
           </a:p>
         </p:txBody>
@@ -7794,8 +7809,8 @@
                 <a:solidFill>
                   <a:schemeClr val="tx1"/>
                 </a:solidFill>
-                <a:latin typeface="Source Sans Pro"/>
-                <a:ea typeface="Source Sans Pro"/>
+                <a:latin typeface="MS Gothic" pitchFamily="49" charset="-128"/>
+                <a:ea typeface="MS Gothic" pitchFamily="49" charset="-128"/>
                 <a:cs typeface="Source Sans Pro"/>
                 <a:sym typeface="Source Sans Pro"/>
               </a:rPr>
@@ -7805,8 +7820,8 @@
               <a:solidFill>
                 <a:schemeClr val="tx1"/>
               </a:solidFill>
-              <a:latin typeface="Source Sans Pro"/>
-              <a:ea typeface="Source Sans Pro"/>
+              <a:latin typeface="MS Gothic" pitchFamily="49" charset="-128"/>
+              <a:ea typeface="MS Gothic" pitchFamily="49" charset="-128"/>
               <a:cs typeface="Source Sans Pro"/>
               <a:sym typeface="Source Sans Pro"/>
             </a:endParaRPr>
@@ -7865,8 +7880,8 @@
                 <a:solidFill>
                   <a:schemeClr val="tx1"/>
                 </a:solidFill>
-                <a:latin typeface="Source Sans Pro"/>
-                <a:ea typeface="Source Sans Pro"/>
+                <a:latin typeface="MS Gothic" pitchFamily="49" charset="-128"/>
+                <a:ea typeface="MS Gothic" pitchFamily="49" charset="-128"/>
                 <a:cs typeface="Source Sans Pro"/>
                 <a:sym typeface="Source Sans Pro"/>
               </a:rPr>
@@ -7876,8 +7891,8 @@
               <a:solidFill>
                 <a:schemeClr val="tx1"/>
               </a:solidFill>
-              <a:latin typeface="Source Sans Pro"/>
-              <a:ea typeface="Source Sans Pro"/>
+              <a:latin typeface="MS Gothic" pitchFamily="49" charset="-128"/>
+              <a:ea typeface="MS Gothic" pitchFamily="49" charset="-128"/>
               <a:cs typeface="Source Sans Pro"/>
               <a:sym typeface="Source Sans Pro"/>
             </a:endParaRPr>
@@ -7936,8 +7951,8 @@
                 <a:solidFill>
                   <a:schemeClr val="tx1"/>
                 </a:solidFill>
-                <a:latin typeface="Source Sans Pro"/>
-                <a:ea typeface="Source Sans Pro"/>
+                <a:latin typeface="MS Gothic" pitchFamily="49" charset="-128"/>
+                <a:ea typeface="MS Gothic" pitchFamily="49" charset="-128"/>
                 <a:cs typeface="Source Sans Pro"/>
                 <a:sym typeface="Source Sans Pro"/>
               </a:rPr>
@@ -7947,8 +7962,8 @@
               <a:solidFill>
                 <a:schemeClr val="tx1"/>
               </a:solidFill>
-              <a:latin typeface="Source Sans Pro"/>
-              <a:ea typeface="Source Sans Pro"/>
+              <a:latin typeface="MS Gothic" pitchFamily="49" charset="-128"/>
+              <a:ea typeface="MS Gothic" pitchFamily="49" charset="-128"/>
               <a:cs typeface="Source Sans Pro"/>
               <a:sym typeface="Source Sans Pro"/>
             </a:endParaRPr>
@@ -8064,8 +8079,8 @@
         </p:nvSpPr>
         <p:spPr>
           <a:xfrm>
-            <a:off x="862326" y="2671096"/>
-            <a:ext cx="864096" cy="1368152"/>
+            <a:off x="899592" y="2715766"/>
+            <a:ext cx="936104" cy="1872208"/>
           </a:xfrm>
           <a:prstGeom prst="rect">
             <a:avLst/>
@@ -8110,7 +8125,7 @@
         </p:nvSpPr>
         <p:spPr>
           <a:xfrm>
-            <a:off x="1798430" y="2671096"/>
+            <a:off x="1907704" y="2643758"/>
             <a:ext cx="1224136" cy="584775"/>
           </a:xfrm>
           <a:prstGeom prst="rect">
@@ -8129,7 +8144,35 @@
                 <a:latin typeface="MS Gothic" pitchFamily="49" charset="-128"/>
                 <a:ea typeface="MS Gothic" pitchFamily="49" charset="-128"/>
               </a:rPr>
-              <a:t>畫面裡要塞什麼東西</a:t>
+              <a:t>畫面</a:t>
+            </a:r>
+            <a:r>
+              <a:rPr lang="zh-TW" altLang="en-US" sz="1600" dirty="0" smtClean="0">
+                <a:latin typeface="MS Gothic" pitchFamily="49" charset="-128"/>
+                <a:ea typeface="MS Gothic" pitchFamily="49" charset="-128"/>
+              </a:rPr>
+              <a:t>裡</a:t>
+            </a:r>
+            <a:r>
+              <a:rPr lang="zh-TW" altLang="en-US" sz="1600" dirty="0" smtClean="0">
+                <a:latin typeface="MS Gothic" pitchFamily="49" charset="-128"/>
+                <a:ea typeface="MS Gothic" pitchFamily="49" charset="-128"/>
+              </a:rPr>
+              <a:t>要放</a:t>
+            </a:r>
+            <a:r>
+              <a:rPr lang="zh-TW" altLang="en-US" sz="1600" dirty="0" smtClean="0">
+                <a:latin typeface="MS Gothic" pitchFamily="49" charset="-128"/>
+                <a:ea typeface="MS Gothic" pitchFamily="49" charset="-128"/>
+              </a:rPr>
+              <a:t>什麼</a:t>
+            </a:r>
+            <a:r>
+              <a:rPr lang="zh-TW" altLang="en-US" sz="1600" dirty="0" smtClean="0">
+                <a:latin typeface="MS Gothic" pitchFamily="49" charset="-128"/>
+                <a:ea typeface="MS Gothic" pitchFamily="49" charset="-128"/>
+              </a:rPr>
+              <a:t>東西</a:t>
             </a:r>
             <a:r>
               <a:rPr lang="en-US" altLang="zh-TW" sz="1600" dirty="0" smtClean="0">
@@ -8153,8 +8196,8 @@
         </p:nvSpPr>
         <p:spPr>
           <a:xfrm>
-            <a:off x="862326" y="2671096"/>
-            <a:ext cx="936104" cy="276999"/>
+            <a:off x="899592" y="2931790"/>
+            <a:ext cx="936104" cy="307777"/>
           </a:xfrm>
           <a:prstGeom prst="rect">
             <a:avLst/>
@@ -8168,13 +8211,13 @@
           <a:lstStyle/>
           <a:p>
             <a:r>
-              <a:rPr lang="zh-TW" altLang="en-US" sz="1200" dirty="0" smtClean="0">
+              <a:rPr lang="zh-TW" altLang="en-US" dirty="0" smtClean="0">
                 <a:latin typeface="MS Gothic" pitchFamily="49" charset="-128"/>
                 <a:ea typeface="MS Gothic" pitchFamily="49" charset="-128"/>
               </a:rPr>
               <a:t>遊戲畫面</a:t>
             </a:r>
-            <a:endParaRPr lang="zh-TW" altLang="en-US" sz="1200" dirty="0">
+            <a:endParaRPr lang="zh-TW" altLang="en-US" dirty="0">
               <a:latin typeface="MS Gothic" pitchFamily="49" charset="-128"/>
               <a:ea typeface="MS Gothic" pitchFamily="49" charset="-128"/>
             </a:endParaRPr>
@@ -8197,8 +8240,8 @@
         </p:blipFill>
         <p:spPr>
           <a:xfrm>
-            <a:off x="3526622" y="2959128"/>
-            <a:ext cx="1599952" cy="1132466"/>
+            <a:off x="3419872" y="3147814"/>
+            <a:ext cx="2034663" cy="1440160"/>
           </a:xfrm>
           <a:prstGeom prst="rect">
             <a:avLst/>
@@ -8213,8 +8256,8 @@
         </p:nvSpPr>
         <p:spPr>
           <a:xfrm>
-            <a:off x="3454614" y="2383064"/>
-            <a:ext cx="2160240" cy="584775"/>
+            <a:off x="3347864" y="2643758"/>
+            <a:ext cx="2341522" cy="338554"/>
           </a:xfrm>
           <a:prstGeom prst="rect">
             <a:avLst/>
@@ -8232,15 +8275,26 @@
                 <a:latin typeface="MS Gothic" pitchFamily="49" charset="-128"/>
                 <a:ea typeface="MS Gothic" pitchFamily="49" charset="-128"/>
               </a:rPr>
-              <a:t>看到有人做出波紋效果想用，但看不懂</a:t>
+              <a:t>想</a:t>
             </a:r>
             <a:r>
-              <a:rPr lang="en-US" altLang="zh-TW" sz="1600" dirty="0" smtClean="0">
+              <a:rPr lang="zh-TW" altLang="en-US" sz="1600" dirty="0" smtClean="0">
                 <a:latin typeface="MS Gothic" pitchFamily="49" charset="-128"/>
                 <a:ea typeface="MS Gothic" pitchFamily="49" charset="-128"/>
               </a:rPr>
-              <a:t>!?</a:t>
+              <a:t>引用</a:t>
             </a:r>
+            <a:r>
+              <a:rPr lang="zh-TW" altLang="en-US" sz="1600" dirty="0" smtClean="0">
+                <a:latin typeface="MS Gothic" pitchFamily="49" charset="-128"/>
+                <a:ea typeface="MS Gothic" pitchFamily="49" charset="-128"/>
+              </a:rPr>
+              <a:t>別人的波紋效果</a:t>
+            </a:r>
+            <a:endParaRPr lang="en-US" altLang="zh-TW" sz="1600" dirty="0" smtClean="0">
+              <a:latin typeface="MS Gothic" pitchFamily="49" charset="-128"/>
+              <a:ea typeface="MS Gothic" pitchFamily="49" charset="-128"/>
+            </a:endParaRPr>
           </a:p>
         </p:txBody>
       </p:sp>
@@ -8260,8 +8314,8 @@
         </p:blipFill>
         <p:spPr>
           <a:xfrm>
-            <a:off x="7452320" y="2571750"/>
-            <a:ext cx="936104" cy="1617352"/>
+            <a:off x="7380312" y="2571750"/>
+            <a:ext cx="1208644" cy="2088232"/>
           </a:xfrm>
           <a:prstGeom prst="rect">
             <a:avLst/>
@@ -8276,8 +8330,8 @@
         </p:nvSpPr>
         <p:spPr>
           <a:xfrm>
-            <a:off x="5830878" y="2599088"/>
-            <a:ext cx="1800200" cy="830997"/>
+            <a:off x="5868144" y="2643758"/>
+            <a:ext cx="1800200" cy="338554"/>
           </a:xfrm>
           <a:prstGeom prst="rect">
             <a:avLst/>
@@ -8295,26 +8349,14 @@
                 <a:latin typeface="MS Gothic" pitchFamily="49" charset="-128"/>
                 <a:ea typeface="MS Gothic" pitchFamily="49" charset="-128"/>
               </a:rPr>
-              <a:t>時程上的安排</a:t>
+              <a:t>時程上的</a:t>
             </a:r>
-            <a:endParaRPr lang="en-US" altLang="zh-TW" sz="1600" dirty="0" smtClean="0">
-              <a:latin typeface="MS Gothic" pitchFamily="49" charset="-128"/>
-              <a:ea typeface="MS Gothic" pitchFamily="49" charset="-128"/>
-            </a:endParaRPr>
-          </a:p>
-          <a:p>
-            <a:endParaRPr lang="en-US" altLang="zh-TW" sz="1600" dirty="0" smtClean="0">
-              <a:latin typeface="MS Gothic" pitchFamily="49" charset="-128"/>
-              <a:ea typeface="MS Gothic" pitchFamily="49" charset="-128"/>
-            </a:endParaRPr>
-          </a:p>
-          <a:p>
             <a:r>
               <a:rPr lang="zh-TW" altLang="en-US" sz="1600" dirty="0" smtClean="0">
                 <a:latin typeface="MS Gothic" pitchFamily="49" charset="-128"/>
                 <a:ea typeface="MS Gothic" pitchFamily="49" charset="-128"/>
               </a:rPr>
-              <a:t>榨能力</a:t>
+              <a:t>安排</a:t>
             </a:r>
             <a:endParaRPr lang="en-US" altLang="zh-TW" sz="1600" dirty="0" smtClean="0">
               <a:latin typeface="MS Gothic" pitchFamily="49" charset="-128"/>
@@ -9240,8 +9282,8 @@
         </p:nvSpPr>
         <p:spPr>
           <a:xfrm>
-            <a:off x="323528" y="771550"/>
-            <a:ext cx="4392488" cy="936104"/>
+            <a:off x="899592" y="699542"/>
+            <a:ext cx="3816424" cy="936104"/>
           </a:xfrm>
           <a:prstGeom prst="rect">
             <a:avLst/>
@@ -9257,7 +9299,7 @@
           </a:bodyPr>
           <a:lstStyle/>
           <a:p>
-            <a:pPr marL="0" marR="0" lvl="0" indent="0" algn="ctr" defTabSz="914400" rtl="0" eaLnBrk="1" fontAlgn="auto" latinLnBrk="0" hangingPunct="1">
+            <a:pPr marL="0" marR="0" lvl="0" indent="0" defTabSz="914400" rtl="0" eaLnBrk="1" fontAlgn="auto" latinLnBrk="0" hangingPunct="1">
               <a:lnSpc>
                 <a:spcPct val="100000"/>
               </a:lnSpc>
@@ -9346,8 +9388,8 @@
         </p:nvSpPr>
         <p:spPr>
           <a:xfrm>
-            <a:off x="827584" y="2067694"/>
-            <a:ext cx="3600400" cy="2616101"/>
+            <a:off x="827584" y="1635646"/>
+            <a:ext cx="3600400" cy="2585323"/>
           </a:xfrm>
           <a:prstGeom prst="rect">
             <a:avLst/>

--- a/莊傳偉小專發表.pptx
+++ b/莊傳偉小專發表.pptx
@@ -2,35 +2,39 @@
 <file path=ppt/presentation.xml><?xml version="1.0" encoding="utf-8"?>
 <p:presentation xmlns:a="http://schemas.openxmlformats.org/drawingml/2006/main" xmlns:r="http://schemas.openxmlformats.org/officeDocument/2006/relationships" xmlns:p="http://schemas.openxmlformats.org/presentationml/2006/main" showSpecialPlsOnTitleSld="0" strictFirstAndLastChars="0" embedTrueTypeFonts="1" saveSubsetFonts="1" autoCompressPictures="0">
   <p:sldMasterIdLst>
-    <p:sldMasterId id="2147483663" r:id="rId1"/>
+    <p:sldMasterId id="2147483648" r:id="rId1"/>
   </p:sldMasterIdLst>
   <p:notesMasterIdLst>
-    <p:notesMasterId r:id="rId7"/>
+    <p:notesMasterId r:id="rId4"/>
   </p:notesMasterIdLst>
   <p:sldIdLst>
-    <p:sldId id="256" r:id="rId2"/>
-    <p:sldId id="257" r:id="rId3"/>
-    <p:sldId id="264" r:id="rId4"/>
-    <p:sldId id="278" r:id="rId5"/>
-    <p:sldId id="276" r:id="rId6"/>
+    <p:sldId id="256" r:id="rId3"/>
+    <p:sldId id="257" r:id="rId5"/>
+    <p:sldId id="264" r:id="rId6"/>
+    <p:sldId id="278" r:id="rId7"/>
+    <p:sldId id="276" r:id="rId8"/>
   </p:sldIdLst>
   <p:sldSz cx="9144000" cy="5143500" type="screen16x9"/>
   <p:notesSz cx="6858000" cy="9144000"/>
   <p:embeddedFontLst>
     <p:embeddedFont>
-      <p:font typeface="MS Gothic" pitchFamily="49" charset="-128"/>
-      <p:regular r:id="rId8"/>
+      <p:font typeface="Permanent Marker" panose="02000000000000000000"/>
+      <p:regular r:id="rId12"/>
     </p:embeddedFont>
     <p:embeddedFont>
-      <p:font typeface="Permanent Marker" charset="0"/>
-      <p:regular r:id="rId9"/>
+      <p:font typeface="Source Sans Pro" panose="020B0503030403020204"/>
+      <p:regular r:id="rId13"/>
     </p:embeddedFont>
     <p:embeddedFont>
-      <p:font typeface="Source Sans Pro" charset="0"/>
-      <p:regular r:id="rId10"/>
-      <p:bold r:id="rId11"/>
-      <p:italic r:id="rId12"/>
-      <p:boldItalic r:id="rId13"/>
+      <p:font typeface="MS Gothic" panose="020B0609070205080204" pitchFamily="49" charset="-128"/>
+      <p:regular r:id="rId14"/>
+    </p:embeddedFont>
+    <p:embeddedFont>
+      <p:font typeface="Source Sans Pro" panose="020B0503030403020204" charset="0"/>
+      <p:regular r:id="rId15"/>
+      <p:bold r:id="rId16"/>
+      <p:italic r:id="rId17"/>
+      <p:boldItalic r:id="rId18"/>
     </p:embeddedFont>
   </p:embeddedFontLst>
   <p:defaultTextStyle>
@@ -58,15 +62,15 @@
       <a:buClr>
         <a:srgbClr val="000000"/>
       </a:buClr>
-      <a:buFont typeface="Arial"/>
+      <a:buFont typeface="Arial" panose="020B0604020202020204"/>
       <a:defRPr sz="1400" b="0" i="0" u="none" strike="noStrike" cap="none">
         <a:solidFill>
           <a:srgbClr val="000000"/>
         </a:solidFill>
-        <a:latin typeface="Arial"/>
-        <a:ea typeface="Arial"/>
-        <a:cs typeface="Arial"/>
-        <a:sym typeface="Arial"/>
+        <a:latin typeface="Arial" panose="020B0604020202020204"/>
+        <a:ea typeface="Arial" panose="020B0604020202020204"/>
+        <a:cs typeface="Arial" panose="020B0604020202020204"/>
+        <a:sym typeface="Arial" panose="020B0604020202020204"/>
       </a:defRPr>
     </a:lvl1pPr>
     <a:lvl2pPr marR="0" lvl="1" algn="l" rtl="0">
@@ -82,15 +86,15 @@
       <a:buClr>
         <a:srgbClr val="000000"/>
       </a:buClr>
-      <a:buFont typeface="Arial"/>
+      <a:buFont typeface="Arial" panose="020B0604020202020204"/>
       <a:defRPr sz="1400" b="0" i="0" u="none" strike="noStrike" cap="none">
         <a:solidFill>
           <a:srgbClr val="000000"/>
         </a:solidFill>
-        <a:latin typeface="Arial"/>
-        <a:ea typeface="Arial"/>
-        <a:cs typeface="Arial"/>
-        <a:sym typeface="Arial"/>
+        <a:latin typeface="Arial" panose="020B0604020202020204"/>
+        <a:ea typeface="Arial" panose="020B0604020202020204"/>
+        <a:cs typeface="Arial" panose="020B0604020202020204"/>
+        <a:sym typeface="Arial" panose="020B0604020202020204"/>
       </a:defRPr>
     </a:lvl2pPr>
     <a:lvl3pPr marR="0" lvl="2" algn="l" rtl="0">
@@ -106,15 +110,15 @@
       <a:buClr>
         <a:srgbClr val="000000"/>
       </a:buClr>
-      <a:buFont typeface="Arial"/>
+      <a:buFont typeface="Arial" panose="020B0604020202020204"/>
       <a:defRPr sz="1400" b="0" i="0" u="none" strike="noStrike" cap="none">
         <a:solidFill>
           <a:srgbClr val="000000"/>
         </a:solidFill>
-        <a:latin typeface="Arial"/>
-        <a:ea typeface="Arial"/>
-        <a:cs typeface="Arial"/>
-        <a:sym typeface="Arial"/>
+        <a:latin typeface="Arial" panose="020B0604020202020204"/>
+        <a:ea typeface="Arial" panose="020B0604020202020204"/>
+        <a:cs typeface="Arial" panose="020B0604020202020204"/>
+        <a:sym typeface="Arial" panose="020B0604020202020204"/>
       </a:defRPr>
     </a:lvl3pPr>
     <a:lvl4pPr marR="0" lvl="3" algn="l" rtl="0">
@@ -130,15 +134,15 @@
       <a:buClr>
         <a:srgbClr val="000000"/>
       </a:buClr>
-      <a:buFont typeface="Arial"/>
+      <a:buFont typeface="Arial" panose="020B0604020202020204"/>
       <a:defRPr sz="1400" b="0" i="0" u="none" strike="noStrike" cap="none">
         <a:solidFill>
           <a:srgbClr val="000000"/>
         </a:solidFill>
-        <a:latin typeface="Arial"/>
-        <a:ea typeface="Arial"/>
-        <a:cs typeface="Arial"/>
-        <a:sym typeface="Arial"/>
+        <a:latin typeface="Arial" panose="020B0604020202020204"/>
+        <a:ea typeface="Arial" panose="020B0604020202020204"/>
+        <a:cs typeface="Arial" panose="020B0604020202020204"/>
+        <a:sym typeface="Arial" panose="020B0604020202020204"/>
       </a:defRPr>
     </a:lvl4pPr>
     <a:lvl5pPr marR="0" lvl="4" algn="l" rtl="0">
@@ -154,15 +158,15 @@
       <a:buClr>
         <a:srgbClr val="000000"/>
       </a:buClr>
-      <a:buFont typeface="Arial"/>
+      <a:buFont typeface="Arial" panose="020B0604020202020204"/>
       <a:defRPr sz="1400" b="0" i="0" u="none" strike="noStrike" cap="none">
         <a:solidFill>
           <a:srgbClr val="000000"/>
         </a:solidFill>
-        <a:latin typeface="Arial"/>
-        <a:ea typeface="Arial"/>
-        <a:cs typeface="Arial"/>
-        <a:sym typeface="Arial"/>
+        <a:latin typeface="Arial" panose="020B0604020202020204"/>
+        <a:ea typeface="Arial" panose="020B0604020202020204"/>
+        <a:cs typeface="Arial" panose="020B0604020202020204"/>
+        <a:sym typeface="Arial" panose="020B0604020202020204"/>
       </a:defRPr>
     </a:lvl5pPr>
     <a:lvl6pPr marR="0" lvl="5" algn="l" rtl="0">
@@ -178,15 +182,15 @@
       <a:buClr>
         <a:srgbClr val="000000"/>
       </a:buClr>
-      <a:buFont typeface="Arial"/>
+      <a:buFont typeface="Arial" panose="020B0604020202020204"/>
       <a:defRPr sz="1400" b="0" i="0" u="none" strike="noStrike" cap="none">
         <a:solidFill>
           <a:srgbClr val="000000"/>
         </a:solidFill>
-        <a:latin typeface="Arial"/>
-        <a:ea typeface="Arial"/>
-        <a:cs typeface="Arial"/>
-        <a:sym typeface="Arial"/>
+        <a:latin typeface="Arial" panose="020B0604020202020204"/>
+        <a:ea typeface="Arial" panose="020B0604020202020204"/>
+        <a:cs typeface="Arial" panose="020B0604020202020204"/>
+        <a:sym typeface="Arial" panose="020B0604020202020204"/>
       </a:defRPr>
     </a:lvl6pPr>
     <a:lvl7pPr marR="0" lvl="6" algn="l" rtl="0">
@@ -202,15 +206,15 @@
       <a:buClr>
         <a:srgbClr val="000000"/>
       </a:buClr>
-      <a:buFont typeface="Arial"/>
+      <a:buFont typeface="Arial" panose="020B0604020202020204"/>
       <a:defRPr sz="1400" b="0" i="0" u="none" strike="noStrike" cap="none">
         <a:solidFill>
           <a:srgbClr val="000000"/>
         </a:solidFill>
-        <a:latin typeface="Arial"/>
-        <a:ea typeface="Arial"/>
-        <a:cs typeface="Arial"/>
-        <a:sym typeface="Arial"/>
+        <a:latin typeface="Arial" panose="020B0604020202020204"/>
+        <a:ea typeface="Arial" panose="020B0604020202020204"/>
+        <a:cs typeface="Arial" panose="020B0604020202020204"/>
+        <a:sym typeface="Arial" panose="020B0604020202020204"/>
       </a:defRPr>
     </a:lvl7pPr>
     <a:lvl8pPr marR="0" lvl="7" algn="l" rtl="0">
@@ -226,15 +230,15 @@
       <a:buClr>
         <a:srgbClr val="000000"/>
       </a:buClr>
-      <a:buFont typeface="Arial"/>
+      <a:buFont typeface="Arial" panose="020B0604020202020204"/>
       <a:defRPr sz="1400" b="0" i="0" u="none" strike="noStrike" cap="none">
         <a:solidFill>
           <a:srgbClr val="000000"/>
         </a:solidFill>
-        <a:latin typeface="Arial"/>
-        <a:ea typeface="Arial"/>
-        <a:cs typeface="Arial"/>
-        <a:sym typeface="Arial"/>
+        <a:latin typeface="Arial" panose="020B0604020202020204"/>
+        <a:ea typeface="Arial" panose="020B0604020202020204"/>
+        <a:cs typeface="Arial" panose="020B0604020202020204"/>
+        <a:sym typeface="Arial" panose="020B0604020202020204"/>
       </a:defRPr>
     </a:lvl8pPr>
     <a:lvl9pPr marR="0" lvl="8" algn="l" rtl="0">
@@ -250,15 +254,15 @@
       <a:buClr>
         <a:srgbClr val="000000"/>
       </a:buClr>
-      <a:buFont typeface="Arial"/>
+      <a:buFont typeface="Arial" panose="020B0604020202020204"/>
       <a:defRPr sz="1400" b="0" i="0" u="none" strike="noStrike" cap="none">
         <a:solidFill>
           <a:srgbClr val="000000"/>
         </a:solidFill>
-        <a:latin typeface="Arial"/>
-        <a:ea typeface="Arial"/>
-        <a:cs typeface="Arial"/>
-        <a:sym typeface="Arial"/>
+        <a:latin typeface="Arial" panose="020B0604020202020204"/>
+        <a:ea typeface="Arial" panose="020B0604020202020204"/>
+        <a:cs typeface="Arial" panose="020B0604020202020204"/>
+        <a:sym typeface="Arial" panose="020B0604020202020204"/>
       </a:defRPr>
     </a:lvl9pPr>
   </p:defaultTextStyle>
@@ -466,9 +470,7 @@
               <a:defRPr sz="1100"/>
             </a:lvl9pPr>
           </a:lstStyle>
-          <a:p>
-            <a:endParaRPr/>
-          </a:p>
+          <a:p/>
         </p:txBody>
       </p:sp>
     </p:spTree>
@@ -499,15 +501,15 @@
       <a:buClr>
         <a:srgbClr val="000000"/>
       </a:buClr>
-      <a:buFont typeface="Arial"/>
+      <a:buFont typeface="Arial" panose="020B0604020202020204"/>
       <a:defRPr sz="1400" b="0" i="0" u="none" strike="noStrike" cap="none">
         <a:solidFill>
           <a:srgbClr val="000000"/>
         </a:solidFill>
-        <a:latin typeface="Arial"/>
-        <a:ea typeface="Arial"/>
-        <a:cs typeface="Arial"/>
-        <a:sym typeface="Arial"/>
+        <a:latin typeface="Arial" panose="020B0604020202020204"/>
+        <a:ea typeface="Arial" panose="020B0604020202020204"/>
+        <a:cs typeface="Arial" panose="020B0604020202020204"/>
+        <a:sym typeface="Arial" panose="020B0604020202020204"/>
       </a:defRPr>
     </a:lvl1pPr>
     <a:lvl2pPr marR="0" lvl="1" algn="l" rtl="0">
@@ -523,15 +525,15 @@
       <a:buClr>
         <a:srgbClr val="000000"/>
       </a:buClr>
-      <a:buFont typeface="Arial"/>
+      <a:buFont typeface="Arial" panose="020B0604020202020204"/>
       <a:defRPr sz="1400" b="0" i="0" u="none" strike="noStrike" cap="none">
         <a:solidFill>
           <a:srgbClr val="000000"/>
         </a:solidFill>
-        <a:latin typeface="Arial"/>
-        <a:ea typeface="Arial"/>
-        <a:cs typeface="Arial"/>
-        <a:sym typeface="Arial"/>
+        <a:latin typeface="Arial" panose="020B0604020202020204"/>
+        <a:ea typeface="Arial" panose="020B0604020202020204"/>
+        <a:cs typeface="Arial" panose="020B0604020202020204"/>
+        <a:sym typeface="Arial" panose="020B0604020202020204"/>
       </a:defRPr>
     </a:lvl2pPr>
     <a:lvl3pPr marR="0" lvl="2" algn="l" rtl="0">
@@ -547,15 +549,15 @@
       <a:buClr>
         <a:srgbClr val="000000"/>
       </a:buClr>
-      <a:buFont typeface="Arial"/>
+      <a:buFont typeface="Arial" panose="020B0604020202020204"/>
       <a:defRPr sz="1400" b="0" i="0" u="none" strike="noStrike" cap="none">
         <a:solidFill>
           <a:srgbClr val="000000"/>
         </a:solidFill>
-        <a:latin typeface="Arial"/>
-        <a:ea typeface="Arial"/>
-        <a:cs typeface="Arial"/>
-        <a:sym typeface="Arial"/>
+        <a:latin typeface="Arial" panose="020B0604020202020204"/>
+        <a:ea typeface="Arial" panose="020B0604020202020204"/>
+        <a:cs typeface="Arial" panose="020B0604020202020204"/>
+        <a:sym typeface="Arial" panose="020B0604020202020204"/>
       </a:defRPr>
     </a:lvl3pPr>
     <a:lvl4pPr marR="0" lvl="3" algn="l" rtl="0">
@@ -571,15 +573,15 @@
       <a:buClr>
         <a:srgbClr val="000000"/>
       </a:buClr>
-      <a:buFont typeface="Arial"/>
+      <a:buFont typeface="Arial" panose="020B0604020202020204"/>
       <a:defRPr sz="1400" b="0" i="0" u="none" strike="noStrike" cap="none">
         <a:solidFill>
           <a:srgbClr val="000000"/>
         </a:solidFill>
-        <a:latin typeface="Arial"/>
-        <a:ea typeface="Arial"/>
-        <a:cs typeface="Arial"/>
-        <a:sym typeface="Arial"/>
+        <a:latin typeface="Arial" panose="020B0604020202020204"/>
+        <a:ea typeface="Arial" panose="020B0604020202020204"/>
+        <a:cs typeface="Arial" panose="020B0604020202020204"/>
+        <a:sym typeface="Arial" panose="020B0604020202020204"/>
       </a:defRPr>
     </a:lvl4pPr>
     <a:lvl5pPr marR="0" lvl="4" algn="l" rtl="0">
@@ -595,15 +597,15 @@
       <a:buClr>
         <a:srgbClr val="000000"/>
       </a:buClr>
-      <a:buFont typeface="Arial"/>
+      <a:buFont typeface="Arial" panose="020B0604020202020204"/>
       <a:defRPr sz="1400" b="0" i="0" u="none" strike="noStrike" cap="none">
         <a:solidFill>
           <a:srgbClr val="000000"/>
         </a:solidFill>
-        <a:latin typeface="Arial"/>
-        <a:ea typeface="Arial"/>
-        <a:cs typeface="Arial"/>
-        <a:sym typeface="Arial"/>
+        <a:latin typeface="Arial" panose="020B0604020202020204"/>
+        <a:ea typeface="Arial" panose="020B0604020202020204"/>
+        <a:cs typeface="Arial" panose="020B0604020202020204"/>
+        <a:sym typeface="Arial" panose="020B0604020202020204"/>
       </a:defRPr>
     </a:lvl5pPr>
     <a:lvl6pPr marR="0" lvl="5" algn="l" rtl="0">
@@ -619,15 +621,15 @@
       <a:buClr>
         <a:srgbClr val="000000"/>
       </a:buClr>
-      <a:buFont typeface="Arial"/>
+      <a:buFont typeface="Arial" panose="020B0604020202020204"/>
       <a:defRPr sz="1400" b="0" i="0" u="none" strike="noStrike" cap="none">
         <a:solidFill>
           <a:srgbClr val="000000"/>
         </a:solidFill>
-        <a:latin typeface="Arial"/>
-        <a:ea typeface="Arial"/>
-        <a:cs typeface="Arial"/>
-        <a:sym typeface="Arial"/>
+        <a:latin typeface="Arial" panose="020B0604020202020204"/>
+        <a:ea typeface="Arial" panose="020B0604020202020204"/>
+        <a:cs typeface="Arial" panose="020B0604020202020204"/>
+        <a:sym typeface="Arial" panose="020B0604020202020204"/>
       </a:defRPr>
     </a:lvl6pPr>
     <a:lvl7pPr marR="0" lvl="6" algn="l" rtl="0">
@@ -643,15 +645,15 @@
       <a:buClr>
         <a:srgbClr val="000000"/>
       </a:buClr>
-      <a:buFont typeface="Arial"/>
+      <a:buFont typeface="Arial" panose="020B0604020202020204"/>
       <a:defRPr sz="1400" b="0" i="0" u="none" strike="noStrike" cap="none">
         <a:solidFill>
           <a:srgbClr val="000000"/>
         </a:solidFill>
-        <a:latin typeface="Arial"/>
-        <a:ea typeface="Arial"/>
-        <a:cs typeface="Arial"/>
-        <a:sym typeface="Arial"/>
+        <a:latin typeface="Arial" panose="020B0604020202020204"/>
+        <a:ea typeface="Arial" panose="020B0604020202020204"/>
+        <a:cs typeface="Arial" panose="020B0604020202020204"/>
+        <a:sym typeface="Arial" panose="020B0604020202020204"/>
       </a:defRPr>
     </a:lvl7pPr>
     <a:lvl8pPr marR="0" lvl="7" algn="l" rtl="0">
@@ -667,15 +669,15 @@
       <a:buClr>
         <a:srgbClr val="000000"/>
       </a:buClr>
-      <a:buFont typeface="Arial"/>
+      <a:buFont typeface="Arial" panose="020B0604020202020204"/>
       <a:defRPr sz="1400" b="0" i="0" u="none" strike="noStrike" cap="none">
         <a:solidFill>
           <a:srgbClr val="000000"/>
         </a:solidFill>
-        <a:latin typeface="Arial"/>
-        <a:ea typeface="Arial"/>
-        <a:cs typeface="Arial"/>
-        <a:sym typeface="Arial"/>
+        <a:latin typeface="Arial" panose="020B0604020202020204"/>
+        <a:ea typeface="Arial" panose="020B0604020202020204"/>
+        <a:cs typeface="Arial" panose="020B0604020202020204"/>
+        <a:sym typeface="Arial" panose="020B0604020202020204"/>
       </a:defRPr>
     </a:lvl8pPr>
     <a:lvl9pPr marR="0" lvl="8" algn="l" rtl="0">
@@ -691,15 +693,15 @@
       <a:buClr>
         <a:srgbClr val="000000"/>
       </a:buClr>
-      <a:buFont typeface="Arial"/>
+      <a:buFont typeface="Arial" panose="020B0604020202020204"/>
       <a:defRPr sz="1400" b="0" i="0" u="none" strike="noStrike" cap="none">
         <a:solidFill>
           <a:srgbClr val="000000"/>
         </a:solidFill>
-        <a:latin typeface="Arial"/>
-        <a:ea typeface="Arial"/>
-        <a:cs typeface="Arial"/>
-        <a:sym typeface="Arial"/>
+        <a:latin typeface="Arial" panose="020B0604020202020204"/>
+        <a:ea typeface="Arial" panose="020B0604020202020204"/>
+        <a:cs typeface="Arial" panose="020B0604020202020204"/>
+        <a:sym typeface="Arial" panose="020B0604020202020204"/>
       </a:defRPr>
     </a:lvl9pPr>
   </p:notesStyle>
@@ -707,7 +709,7 @@
 </file>
 
 <file path=ppt/notesSlides/notesSlide1.xml><?xml version="1.0" encoding="utf-8"?>
-<p:notes xmlns:a="http://schemas.openxmlformats.org/drawingml/2006/main" xmlns:r="http://schemas.openxmlformats.org/officeDocument/2006/relationships" xmlns:p="http://schemas.openxmlformats.org/presentationml/2006/main" showMasterSp="0" showMasterPhAnim="0">
+<p:notes xmlns:a="http://schemas.openxmlformats.org/drawingml/2006/main" xmlns:r="http://schemas.openxmlformats.org/officeDocument/2006/relationships" xmlns:p="http://schemas.openxmlformats.org/presentationml/2006/main" showMasterPhAnim="0" showMasterSp="0">
   <p:cSld>
     <p:spTree>
       <p:nvGrpSpPr>
@@ -798,7 +800,6 @@
               </a:spcAft>
               <a:buNone/>
             </a:pPr>
-            <a:endParaRPr/>
           </a:p>
         </p:txBody>
       </p:sp>
@@ -811,7 +812,7 @@
 </file>
 
 <file path=ppt/notesSlides/notesSlide2.xml><?xml version="1.0" encoding="utf-8"?>
-<p:notes xmlns:a="http://schemas.openxmlformats.org/drawingml/2006/main" xmlns:r="http://schemas.openxmlformats.org/officeDocument/2006/relationships" xmlns:p="http://schemas.openxmlformats.org/presentationml/2006/main" showMasterSp="0" showMasterPhAnim="0">
+<p:notes xmlns:a="http://schemas.openxmlformats.org/drawingml/2006/main" xmlns:r="http://schemas.openxmlformats.org/officeDocument/2006/relationships" xmlns:p="http://schemas.openxmlformats.org/presentationml/2006/main" showMasterPhAnim="0" showMasterSp="0">
   <p:cSld>
     <p:spTree>
       <p:nvGrpSpPr>
@@ -902,7 +903,6 @@
               </a:spcAft>
               <a:buNone/>
             </a:pPr>
-            <a:endParaRPr/>
           </a:p>
         </p:txBody>
       </p:sp>
@@ -915,7 +915,7 @@
 </file>
 
 <file path=ppt/notesSlides/notesSlide3.xml><?xml version="1.0" encoding="utf-8"?>
-<p:notes xmlns:a="http://schemas.openxmlformats.org/drawingml/2006/main" xmlns:r="http://schemas.openxmlformats.org/officeDocument/2006/relationships" xmlns:p="http://schemas.openxmlformats.org/presentationml/2006/main" showMasterSp="0" showMasterPhAnim="0">
+<p:notes xmlns:a="http://schemas.openxmlformats.org/drawingml/2006/main" xmlns:r="http://schemas.openxmlformats.org/officeDocument/2006/relationships" xmlns:p="http://schemas.openxmlformats.org/presentationml/2006/main" showMasterPhAnim="0" showMasterSp="0">
   <p:cSld>
     <p:spTree>
       <p:nvGrpSpPr>
@@ -1006,7 +1006,6 @@
               </a:spcAft>
               <a:buNone/>
             </a:pPr>
-            <a:endParaRPr/>
           </a:p>
         </p:txBody>
       </p:sp>
@@ -1019,7 +1018,7 @@
 </file>
 
 <file path=ppt/notesSlides/notesSlide4.xml><?xml version="1.0" encoding="utf-8"?>
-<p:notes xmlns:a="http://schemas.openxmlformats.org/drawingml/2006/main" xmlns:r="http://schemas.openxmlformats.org/officeDocument/2006/relationships" xmlns:p="http://schemas.openxmlformats.org/presentationml/2006/main" showMasterSp="0" showMasterPhAnim="0">
+<p:notes xmlns:a="http://schemas.openxmlformats.org/drawingml/2006/main" xmlns:r="http://schemas.openxmlformats.org/officeDocument/2006/relationships" xmlns:p="http://schemas.openxmlformats.org/presentationml/2006/main" showMasterPhAnim="0" showMasterSp="0">
   <p:cSld>
     <p:spTree>
       <p:nvGrpSpPr>
@@ -1110,7 +1109,6 @@
               </a:spcAft>
               <a:buNone/>
             </a:pPr>
-            <a:endParaRPr/>
           </a:p>
         </p:txBody>
       </p:sp>
@@ -1123,7 +1121,7 @@
 </file>
 
 <file path=ppt/notesSlides/notesSlide5.xml><?xml version="1.0" encoding="utf-8"?>
-<p:notes xmlns:a="http://schemas.openxmlformats.org/drawingml/2006/main" xmlns:r="http://schemas.openxmlformats.org/officeDocument/2006/relationships" xmlns:p="http://schemas.openxmlformats.org/presentationml/2006/main" showMasterSp="0" showMasterPhAnim="0">
+<p:notes xmlns:a="http://schemas.openxmlformats.org/drawingml/2006/main" xmlns:r="http://schemas.openxmlformats.org/officeDocument/2006/relationships" xmlns:p="http://schemas.openxmlformats.org/presentationml/2006/main" showMasterPhAnim="0" showMasterSp="0">
   <p:cSld>
     <p:spTree>
       <p:nvGrpSpPr>
@@ -1214,7 +1212,6 @@
               </a:spcAft>
               <a:buNone/>
             </a:pPr>
-            <a:endParaRPr/>
           </a:p>
         </p:txBody>
       </p:sp>
@@ -1227,14 +1224,12 @@
 </file>
 
 <file path=ppt/slideLayouts/slideLayout1.xml><?xml version="1.0" encoding="utf-8"?>
-<p:sldLayout xmlns:a="http://schemas.openxmlformats.org/drawingml/2006/main" xmlns:r="http://schemas.openxmlformats.org/officeDocument/2006/relationships" xmlns:p="http://schemas.openxmlformats.org/presentationml/2006/main" matchingName="Title blue" type="title">
+<p:sldLayout xmlns:a="http://schemas.openxmlformats.org/drawingml/2006/main" xmlns:r="http://schemas.openxmlformats.org/officeDocument/2006/relationships" xmlns:p="http://schemas.openxmlformats.org/presentationml/2006/main" type="title" matchingName="Title blue">
   <p:cSld name="TITLE">
     <p:bg>
       <p:bgPr>
         <a:blipFill>
-          <a:blip r:embed="rId2">
-            <a:alphaModFix/>
-          </a:blip>
+          <a:blip r:embed="rId2"/>
           <a:stretch>
             <a:fillRect/>
           </a:stretch>
@@ -1443,9 +1438,7 @@
               </a:defRPr>
             </a:lvl9pPr>
           </a:lstStyle>
-          <a:p>
-            <a:endParaRPr/>
-          </a:p>
+          <a:p/>
         </p:txBody>
       </p:sp>
     </p:spTree>
@@ -1453,18 +1446,19 @@
   <p:clrMapOvr>
     <a:masterClrMapping/>
   </p:clrMapOvr>
+  <p:transition>
+    <p:fade thruBlk="1"/>
+  </p:transition>
 </p:sldLayout>
 </file>
 
 <file path=ppt/slideLayouts/slideLayout10.xml><?xml version="1.0" encoding="utf-8"?>
-<p:sldLayout xmlns:a="http://schemas.openxmlformats.org/drawingml/2006/main" xmlns:r="http://schemas.openxmlformats.org/officeDocument/2006/relationships" xmlns:p="http://schemas.openxmlformats.org/presentationml/2006/main" matchingName="Title + 1 column" type="tx">
+<p:sldLayout xmlns:a="http://schemas.openxmlformats.org/drawingml/2006/main" xmlns:r="http://schemas.openxmlformats.org/officeDocument/2006/relationships" xmlns:p="http://schemas.openxmlformats.org/presentationml/2006/main" type="tx" matchingName="Title + 1 column">
   <p:cSld name="Title + 1 column">
     <p:bg>
       <p:bgPr>
         <a:blipFill>
-          <a:blip r:embed="rId2">
-            <a:alphaModFix/>
-          </a:blip>
+          <a:blip r:embed="rId2"/>
           <a:stretch>
             <a:fillRect/>
           </a:stretch>
@@ -1673,9 +1667,7 @@
               </a:defRPr>
             </a:lvl9pPr>
           </a:lstStyle>
-          <a:p>
-            <a:endParaRPr/>
-          </a:p>
+          <a:p/>
         </p:txBody>
       </p:sp>
       <p:sp>
@@ -1802,9 +1794,7 @@
               <a:defRPr/>
             </a:lvl9pPr>
           </a:lstStyle>
-          <a:p>
-            <a:endParaRPr/>
-          </a:p>
+          <a:p/>
         </p:txBody>
       </p:sp>
       <p:sp>
@@ -1915,19 +1905,9 @@
               <a:buNone/>
             </a:pPr>
             <a:fld id="{00000000-1234-1234-1234-123412341234}" type="slidenum">
-              <a:rPr lang="en"/>
-              <a:pPr marL="0" lvl="0" indent="0" algn="ctr" rtl="0">
-                <a:spcBef>
-                  <a:spcPts val="0"/>
-                </a:spcBef>
-                <a:spcAft>
-                  <a:spcPts val="0"/>
-                </a:spcAft>
-                <a:buNone/>
-              </a:pPr>
-              <a:t>‹#›</a:t>
+              <a:rPr lang="en-GB"/>
             </a:fld>
-            <a:endParaRPr/>
+            <a:endParaRPr lang="en-GB"/>
           </a:p>
         </p:txBody>
       </p:sp>
@@ -1936,6 +1916,9 @@
   <p:clrMapOvr>
     <a:masterClrMapping/>
   </p:clrMapOvr>
+  <p:transition>
+    <p:fade thruBlk="1"/>
+  </p:transition>
 </p:sldLayout>
 </file>
 
@@ -1945,9 +1928,7 @@
     <p:bg>
       <p:bgPr>
         <a:blipFill>
-          <a:blip r:embed="rId2">
-            <a:alphaModFix/>
-          </a:blip>
+          <a:blip r:embed="rId2"/>
           <a:stretch>
             <a:fillRect/>
           </a:stretch>
@@ -2156,9 +2137,7 @@
               </a:defRPr>
             </a:lvl9pPr>
           </a:lstStyle>
-          <a:p>
-            <a:endParaRPr/>
-          </a:p>
+          <a:p/>
         </p:txBody>
       </p:sp>
       <p:sp>
@@ -2233,19 +2212,9 @@
               <a:buNone/>
             </a:pPr>
             <a:fld id="{00000000-1234-1234-1234-123412341234}" type="slidenum">
-              <a:rPr lang="en"/>
-              <a:pPr marL="0" lvl="0" indent="0" algn="ctr" rtl="0">
-                <a:spcBef>
-                  <a:spcPts val="0"/>
-                </a:spcBef>
-                <a:spcAft>
-                  <a:spcPts val="0"/>
-                </a:spcAft>
-                <a:buNone/>
-              </a:pPr>
-              <a:t>‹#›</a:t>
+              <a:rPr lang="en-GB"/>
             </a:fld>
-            <a:endParaRPr/>
+            <a:endParaRPr lang="en-GB"/>
           </a:p>
         </p:txBody>
       </p:sp>
@@ -2254,6 +2223,9 @@
   <p:clrMapOvr>
     <a:masterClrMapping/>
   </p:clrMapOvr>
+  <p:transition>
+    <p:fade thruBlk="1"/>
+  </p:transition>
 </p:sldLayout>
 </file>
 
@@ -2263,9 +2235,7 @@
     <p:bg>
       <p:bgPr>
         <a:blipFill>
-          <a:blip r:embed="rId2">
-            <a:alphaModFix/>
-          </a:blip>
+          <a:blip r:embed="rId2"/>
           <a:stretch>
             <a:fillRect/>
           </a:stretch>
@@ -2411,9 +2381,7 @@
               <a:defRPr sz="3600"/>
             </a:lvl9pPr>
           </a:lstStyle>
-          <a:p>
-            <a:endParaRPr/>
-          </a:p>
+          <a:p/>
         </p:txBody>
       </p:sp>
       <p:sp>
@@ -2567,9 +2535,7 @@
               <a:defRPr sz="2400"/>
             </a:lvl9pPr>
           </a:lstStyle>
-          <a:p>
-            <a:endParaRPr/>
-          </a:p>
+          <a:p/>
         </p:txBody>
       </p:sp>
       <p:sp>
@@ -2644,19 +2610,9 @@
               <a:buNone/>
             </a:pPr>
             <a:fld id="{00000000-1234-1234-1234-123412341234}" type="slidenum">
-              <a:rPr lang="en"/>
-              <a:pPr marL="0" lvl="0" indent="0" algn="ctr" rtl="0">
-                <a:spcBef>
-                  <a:spcPts val="0"/>
-                </a:spcBef>
-                <a:spcAft>
-                  <a:spcPts val="0"/>
-                </a:spcAft>
-                <a:buNone/>
-              </a:pPr>
-              <a:t>‹#›</a:t>
+              <a:rPr lang="en-GB"/>
             </a:fld>
-            <a:endParaRPr/>
+            <a:endParaRPr lang="en-GB"/>
           </a:p>
         </p:txBody>
       </p:sp>
@@ -2665,6 +2621,9 @@
   <p:clrMapOvr>
     <a:masterClrMapping/>
   </p:clrMapOvr>
+  <p:transition>
+    <p:fade thruBlk="1"/>
+  </p:transition>
 </p:sldLayout>
 </file>
 
@@ -2674,9 +2633,7 @@
     <p:bg>
       <p:bgPr>
         <a:blipFill>
-          <a:blip r:embed="rId2">
-            <a:alphaModFix/>
-          </a:blip>
+          <a:blip r:embed="rId2"/>
           <a:stretch>
             <a:fillRect/>
           </a:stretch>
@@ -2822,9 +2779,7 @@
               <a:defRPr sz="3600"/>
             </a:lvl9pPr>
           </a:lstStyle>
-          <a:p>
-            <a:endParaRPr/>
-          </a:p>
+          <a:p/>
         </p:txBody>
       </p:sp>
       <p:sp>
@@ -2978,9 +2933,7 @@
               <a:defRPr sz="2400"/>
             </a:lvl9pPr>
           </a:lstStyle>
-          <a:p>
-            <a:endParaRPr/>
-          </a:p>
+          <a:p/>
         </p:txBody>
       </p:sp>
       <p:sp>
@@ -3055,19 +3008,9 @@
               <a:buNone/>
             </a:pPr>
             <a:fld id="{00000000-1234-1234-1234-123412341234}" type="slidenum">
-              <a:rPr lang="en"/>
-              <a:pPr marL="0" lvl="0" indent="0" algn="ctr" rtl="0">
-                <a:spcBef>
-                  <a:spcPts val="0"/>
-                </a:spcBef>
-                <a:spcAft>
-                  <a:spcPts val="0"/>
-                </a:spcAft>
-                <a:buNone/>
-              </a:pPr>
-              <a:t>‹#›</a:t>
+              <a:rPr lang="en-GB"/>
             </a:fld>
-            <a:endParaRPr/>
+            <a:endParaRPr lang="en-GB"/>
           </a:p>
         </p:txBody>
       </p:sp>
@@ -3076,6 +3019,9 @@
   <p:clrMapOvr>
     <a:masterClrMapping/>
   </p:clrMapOvr>
+  <p:transition>
+    <p:fade thruBlk="1"/>
+  </p:transition>
 </p:sldLayout>
 </file>
 
@@ -3085,9 +3031,7 @@
     <p:bg>
       <p:bgPr>
         <a:blipFill>
-          <a:blip r:embed="rId2">
-            <a:alphaModFix/>
-          </a:blip>
+          <a:blip r:embed="rId2"/>
           <a:stretch>
             <a:fillRect/>
           </a:stretch>
@@ -3233,9 +3177,7 @@
               <a:defRPr sz="2400" i="1"/>
             </a:lvl9pPr>
           </a:lstStyle>
-          <a:p>
-            <a:endParaRPr/>
-          </a:p>
+          <a:p/>
         </p:txBody>
       </p:sp>
       <p:sp>
@@ -3273,14 +3215,14 @@
               <a:buNone/>
             </a:pPr>
             <a:r>
-              <a:rPr lang="en" sz="9600">
+              <a:rPr lang="en-GB" sz="9600">
                 <a:solidFill>
                   <a:schemeClr val="accent1"/>
                 </a:solidFill>
-                <a:latin typeface="Permanent Marker"/>
-                <a:ea typeface="Permanent Marker"/>
-                <a:cs typeface="Permanent Marker"/>
-                <a:sym typeface="Permanent Marker"/>
+                <a:latin typeface="Permanent Marker" panose="02000000000000000000"/>
+                <a:ea typeface="Permanent Marker" panose="02000000000000000000"/>
+                <a:cs typeface="Permanent Marker" panose="02000000000000000000"/>
+                <a:sym typeface="Permanent Marker" panose="02000000000000000000"/>
               </a:rPr>
               <a:t>“</a:t>
             </a:r>
@@ -3288,10 +3230,10 @@
               <a:solidFill>
                 <a:schemeClr val="accent1"/>
               </a:solidFill>
-              <a:latin typeface="Permanent Marker"/>
-              <a:ea typeface="Permanent Marker"/>
-              <a:cs typeface="Permanent Marker"/>
-              <a:sym typeface="Permanent Marker"/>
+              <a:latin typeface="Permanent Marker" panose="02000000000000000000"/>
+              <a:ea typeface="Permanent Marker" panose="02000000000000000000"/>
+              <a:cs typeface="Permanent Marker" panose="02000000000000000000"/>
+              <a:sym typeface="Permanent Marker" panose="02000000000000000000"/>
             </a:endParaRPr>
           </a:p>
         </p:txBody>
@@ -3368,19 +3310,9 @@
               <a:buNone/>
             </a:pPr>
             <a:fld id="{00000000-1234-1234-1234-123412341234}" type="slidenum">
-              <a:rPr lang="en"/>
-              <a:pPr marL="0" lvl="0" indent="0" algn="ctr" rtl="0">
-                <a:spcBef>
-                  <a:spcPts val="0"/>
-                </a:spcBef>
-                <a:spcAft>
-                  <a:spcPts val="0"/>
-                </a:spcAft>
-                <a:buNone/>
-              </a:pPr>
-              <a:t>‹#›</a:t>
+              <a:rPr lang="en-GB"/>
             </a:fld>
-            <a:endParaRPr/>
+            <a:endParaRPr lang="en-GB"/>
           </a:p>
         </p:txBody>
       </p:sp>
@@ -3389,6 +3321,9 @@
   <p:clrMapOvr>
     <a:masterClrMapping/>
   </p:clrMapOvr>
+  <p:transition>
+    <p:fade thruBlk="1"/>
+  </p:transition>
 </p:sldLayout>
 </file>
 
@@ -3398,9 +3333,7 @@
     <p:bg>
       <p:bgPr>
         <a:blipFill>
-          <a:blip r:embed="rId2">
-            <a:alphaModFix/>
-          </a:blip>
+          <a:blip r:embed="rId2"/>
           <a:stretch>
             <a:fillRect/>
           </a:stretch>
@@ -3546,9 +3479,7 @@
               <a:defRPr sz="2400" i="1"/>
             </a:lvl9pPr>
           </a:lstStyle>
-          <a:p>
-            <a:endParaRPr/>
-          </a:p>
+          <a:p/>
         </p:txBody>
       </p:sp>
       <p:sp>
@@ -3586,14 +3517,14 @@
               <a:buNone/>
             </a:pPr>
             <a:r>
-              <a:rPr lang="en" sz="9600">
+              <a:rPr lang="en-GB" sz="9600">
                 <a:solidFill>
                   <a:schemeClr val="accent5"/>
                 </a:solidFill>
-                <a:latin typeface="Permanent Marker"/>
-                <a:ea typeface="Permanent Marker"/>
-                <a:cs typeface="Permanent Marker"/>
-                <a:sym typeface="Permanent Marker"/>
+                <a:latin typeface="Permanent Marker" panose="02000000000000000000"/>
+                <a:ea typeface="Permanent Marker" panose="02000000000000000000"/>
+                <a:cs typeface="Permanent Marker" panose="02000000000000000000"/>
+                <a:sym typeface="Permanent Marker" panose="02000000000000000000"/>
               </a:rPr>
               <a:t>“</a:t>
             </a:r>
@@ -3601,10 +3532,10 @@
               <a:solidFill>
                 <a:schemeClr val="accent5"/>
               </a:solidFill>
-              <a:latin typeface="Permanent Marker"/>
-              <a:ea typeface="Permanent Marker"/>
-              <a:cs typeface="Permanent Marker"/>
-              <a:sym typeface="Permanent Marker"/>
+              <a:latin typeface="Permanent Marker" panose="02000000000000000000"/>
+              <a:ea typeface="Permanent Marker" panose="02000000000000000000"/>
+              <a:cs typeface="Permanent Marker" panose="02000000000000000000"/>
+              <a:sym typeface="Permanent Marker" panose="02000000000000000000"/>
             </a:endParaRPr>
           </a:p>
         </p:txBody>
@@ -3681,19 +3612,9 @@
               <a:buNone/>
             </a:pPr>
             <a:fld id="{00000000-1234-1234-1234-123412341234}" type="slidenum">
-              <a:rPr lang="en"/>
-              <a:pPr marL="0" lvl="0" indent="0" algn="ctr" rtl="0">
-                <a:spcBef>
-                  <a:spcPts val="0"/>
-                </a:spcBef>
-                <a:spcAft>
-                  <a:spcPts val="0"/>
-                </a:spcAft>
-                <a:buNone/>
-              </a:pPr>
-              <a:t>‹#›</a:t>
+              <a:rPr lang="en-GB"/>
             </a:fld>
-            <a:endParaRPr/>
+            <a:endParaRPr lang="en-GB"/>
           </a:p>
         </p:txBody>
       </p:sp>
@@ -3702,18 +3623,19 @@
   <p:clrMapOvr>
     <a:masterClrMapping/>
   </p:clrMapOvr>
+  <p:transition>
+    <p:fade thruBlk="1"/>
+  </p:transition>
 </p:sldLayout>
 </file>
 
 <file path=ppt/slideLayouts/slideLayout7.xml><?xml version="1.0" encoding="utf-8"?>
-<p:sldLayout xmlns:a="http://schemas.openxmlformats.org/drawingml/2006/main" xmlns:r="http://schemas.openxmlformats.org/officeDocument/2006/relationships" xmlns:p="http://schemas.openxmlformats.org/presentationml/2006/main" matchingName="Title + 2 columns" type="twoColTx">
+<p:sldLayout xmlns:a="http://schemas.openxmlformats.org/drawingml/2006/main" xmlns:r="http://schemas.openxmlformats.org/officeDocument/2006/relationships" xmlns:p="http://schemas.openxmlformats.org/presentationml/2006/main" type="twoColTx" matchingName="Title + 2 columns">
   <p:cSld name="TITLE_AND_TWO_COLUMNS">
     <p:bg>
       <p:bgPr>
         <a:blipFill>
-          <a:blip r:embed="rId2">
-            <a:alphaModFix/>
-          </a:blip>
+          <a:blip r:embed="rId2"/>
           <a:stretch>
             <a:fillRect/>
           </a:stretch>
@@ -3922,9 +3844,7 @@
               </a:defRPr>
             </a:lvl9pPr>
           </a:lstStyle>
-          <a:p>
-            <a:endParaRPr/>
-          </a:p>
+          <a:p/>
         </p:txBody>
       </p:sp>
       <p:sp>
@@ -4051,9 +3971,7 @@
               <a:defRPr sz="2000"/>
             </a:lvl9pPr>
           </a:lstStyle>
-          <a:p>
-            <a:endParaRPr/>
-          </a:p>
+          <a:p/>
         </p:txBody>
       </p:sp>
       <p:sp>
@@ -4180,9 +4098,7 @@
               <a:defRPr sz="2000"/>
             </a:lvl9pPr>
           </a:lstStyle>
-          <a:p>
-            <a:endParaRPr/>
-          </a:p>
+          <a:p/>
         </p:txBody>
       </p:sp>
       <p:sp>
@@ -4293,19 +4209,9 @@
               <a:buNone/>
             </a:pPr>
             <a:fld id="{00000000-1234-1234-1234-123412341234}" type="slidenum">
-              <a:rPr lang="en"/>
-              <a:pPr marL="0" lvl="0" indent="0" algn="ctr" rtl="0">
-                <a:spcBef>
-                  <a:spcPts val="0"/>
-                </a:spcBef>
-                <a:spcAft>
-                  <a:spcPts val="0"/>
-                </a:spcAft>
-                <a:buNone/>
-              </a:pPr>
-              <a:t>‹#›</a:t>
+              <a:rPr lang="en-GB"/>
             </a:fld>
-            <a:endParaRPr/>
+            <a:endParaRPr lang="en-GB"/>
           </a:p>
         </p:txBody>
       </p:sp>
@@ -4314,6 +4220,9 @@
   <p:clrMapOvr>
     <a:masterClrMapping/>
   </p:clrMapOvr>
+  <p:transition>
+    <p:fade thruBlk="1"/>
+  </p:transition>
 </p:sldLayout>
 </file>
 
@@ -4323,9 +4232,7 @@
     <p:bg>
       <p:bgPr>
         <a:blipFill>
-          <a:blip r:embed="rId2">
-            <a:alphaModFix/>
-          </a:blip>
+          <a:blip r:embed="rId2"/>
           <a:stretch>
             <a:fillRect/>
           </a:stretch>
@@ -4534,9 +4441,7 @@
               </a:defRPr>
             </a:lvl9pPr>
           </a:lstStyle>
-          <a:p>
-            <a:endParaRPr/>
-          </a:p>
+          <a:p/>
         </p:txBody>
       </p:sp>
       <p:sp>
@@ -4663,9 +4568,7 @@
               <a:defRPr sz="1800"/>
             </a:lvl9pPr>
           </a:lstStyle>
-          <a:p>
-            <a:endParaRPr/>
-          </a:p>
+          <a:p/>
         </p:txBody>
       </p:sp>
       <p:sp>
@@ -4792,9 +4695,7 @@
               <a:defRPr sz="1800"/>
             </a:lvl9pPr>
           </a:lstStyle>
-          <a:p>
-            <a:endParaRPr/>
-          </a:p>
+          <a:p/>
         </p:txBody>
       </p:sp>
       <p:sp>
@@ -4921,9 +4822,7 @@
               <a:defRPr sz="1800"/>
             </a:lvl9pPr>
           </a:lstStyle>
-          <a:p>
-            <a:endParaRPr/>
-          </a:p>
+          <a:p/>
         </p:txBody>
       </p:sp>
       <p:sp>
@@ -4998,19 +4897,9 @@
               <a:buNone/>
             </a:pPr>
             <a:fld id="{00000000-1234-1234-1234-123412341234}" type="slidenum">
-              <a:rPr lang="en"/>
-              <a:pPr marL="0" lvl="0" indent="0" algn="ctr" rtl="0">
-                <a:spcBef>
-                  <a:spcPts val="0"/>
-                </a:spcBef>
-                <a:spcAft>
-                  <a:spcPts val="0"/>
-                </a:spcAft>
-                <a:buNone/>
-              </a:pPr>
-              <a:t>‹#›</a:t>
+              <a:rPr lang="en-GB"/>
             </a:fld>
-            <a:endParaRPr/>
+            <a:endParaRPr lang="en-GB"/>
           </a:p>
         </p:txBody>
       </p:sp>
@@ -5019,11 +4908,14 @@
   <p:clrMapOvr>
     <a:masterClrMapping/>
   </p:clrMapOvr>
+  <p:transition>
+    <p:fade thruBlk="1"/>
+  </p:transition>
 </p:sldLayout>
 </file>
 
 <file path=ppt/slideLayouts/slideLayout9.xml><?xml version="1.0" encoding="utf-8"?>
-<p:sldLayout xmlns:a="http://schemas.openxmlformats.org/drawingml/2006/main" xmlns:r="http://schemas.openxmlformats.org/officeDocument/2006/relationships" xmlns:p="http://schemas.openxmlformats.org/presentationml/2006/main" matchingName="Blank" type="blank">
+<p:sldLayout xmlns:a="http://schemas.openxmlformats.org/drawingml/2006/main" xmlns:r="http://schemas.openxmlformats.org/officeDocument/2006/relationships" xmlns:p="http://schemas.openxmlformats.org/presentationml/2006/main" type="blank" matchingName="Blank">
   <p:cSld name="BLANK">
     <p:spTree>
       <p:nvGrpSpPr>
@@ -5111,19 +5003,9 @@
               <a:buNone/>
             </a:pPr>
             <a:fld id="{00000000-1234-1234-1234-123412341234}" type="slidenum">
-              <a:rPr lang="en"/>
-              <a:pPr marL="0" lvl="0" indent="0" algn="ctr" rtl="0">
-                <a:spcBef>
-                  <a:spcPts val="0"/>
-                </a:spcBef>
-                <a:spcAft>
-                  <a:spcPts val="0"/>
-                </a:spcAft>
-                <a:buNone/>
-              </a:pPr>
-              <a:t>‹#›</a:t>
+              <a:rPr lang="en-GB"/>
             </a:fld>
-            <a:endParaRPr/>
+            <a:endParaRPr lang="en-GB"/>
           </a:p>
         </p:txBody>
       </p:sp>
@@ -5132,18 +5014,19 @@
   <p:clrMapOvr>
     <a:masterClrMapping/>
   </p:clrMapOvr>
+  <p:transition>
+    <p:fade thruBlk="1"/>
+  </p:transition>
 </p:sldLayout>
 </file>
 
 <file path=ppt/slideMasters/slideMaster1.xml><?xml version="1.0" encoding="utf-8"?>
 <p:sldMaster xmlns:a="http://schemas.openxmlformats.org/drawingml/2006/main" xmlns:r="http://schemas.openxmlformats.org/officeDocument/2006/relationships" xmlns:p="http://schemas.openxmlformats.org/presentationml/2006/main">
-  <p:cSld name="simple-light">
+  <p:cSld>
     <p:bg>
       <p:bgPr>
         <a:blipFill>
-          <a:blip r:embed="rId12">
-            <a:alphaModFix/>
-          </a:blip>
+          <a:blip r:embed="rId11"/>
           <a:stretch>
             <a:fillRect/>
           </a:stretch>
@@ -5204,16 +5087,16 @@
                 <a:schemeClr val="dk1"/>
               </a:buClr>
               <a:buSzPts val="2400"/>
-              <a:buFont typeface="Permanent Marker"/>
+              <a:buFont typeface="Permanent Marker" panose="02000000000000000000"/>
               <a:buNone/>
               <a:defRPr sz="2400">
                 <a:solidFill>
                   <a:schemeClr val="dk1"/>
                 </a:solidFill>
-                <a:latin typeface="Permanent Marker"/>
-                <a:ea typeface="Permanent Marker"/>
-                <a:cs typeface="Permanent Marker"/>
-                <a:sym typeface="Permanent Marker"/>
+                <a:latin typeface="Permanent Marker" panose="02000000000000000000"/>
+                <a:ea typeface="Permanent Marker" panose="02000000000000000000"/>
+                <a:cs typeface="Permanent Marker" panose="02000000000000000000"/>
+                <a:sym typeface="Permanent Marker" panose="02000000000000000000"/>
               </a:defRPr>
             </a:lvl1pPr>
             <a:lvl2pPr lvl="1" algn="ctr">
@@ -5227,16 +5110,16 @@
                 <a:schemeClr val="dk1"/>
               </a:buClr>
               <a:buSzPts val="2400"/>
-              <a:buFont typeface="Permanent Marker"/>
+              <a:buFont typeface="Permanent Marker" panose="02000000000000000000"/>
               <a:buNone/>
               <a:defRPr sz="2400">
                 <a:solidFill>
                   <a:schemeClr val="dk1"/>
                 </a:solidFill>
-                <a:latin typeface="Permanent Marker"/>
-                <a:ea typeface="Permanent Marker"/>
-                <a:cs typeface="Permanent Marker"/>
-                <a:sym typeface="Permanent Marker"/>
+                <a:latin typeface="Permanent Marker" panose="02000000000000000000"/>
+                <a:ea typeface="Permanent Marker" panose="02000000000000000000"/>
+                <a:cs typeface="Permanent Marker" panose="02000000000000000000"/>
+                <a:sym typeface="Permanent Marker" panose="02000000000000000000"/>
               </a:defRPr>
             </a:lvl2pPr>
             <a:lvl3pPr lvl="2" algn="ctr">
@@ -5250,16 +5133,16 @@
                 <a:schemeClr val="dk1"/>
               </a:buClr>
               <a:buSzPts val="2400"/>
-              <a:buFont typeface="Permanent Marker"/>
+              <a:buFont typeface="Permanent Marker" panose="02000000000000000000"/>
               <a:buNone/>
               <a:defRPr sz="2400">
                 <a:solidFill>
                   <a:schemeClr val="dk1"/>
                 </a:solidFill>
-                <a:latin typeface="Permanent Marker"/>
-                <a:ea typeface="Permanent Marker"/>
-                <a:cs typeface="Permanent Marker"/>
-                <a:sym typeface="Permanent Marker"/>
+                <a:latin typeface="Permanent Marker" panose="02000000000000000000"/>
+                <a:ea typeface="Permanent Marker" panose="02000000000000000000"/>
+                <a:cs typeface="Permanent Marker" panose="02000000000000000000"/>
+                <a:sym typeface="Permanent Marker" panose="02000000000000000000"/>
               </a:defRPr>
             </a:lvl3pPr>
             <a:lvl4pPr lvl="3" algn="ctr">
@@ -5273,16 +5156,16 @@
                 <a:schemeClr val="dk1"/>
               </a:buClr>
               <a:buSzPts val="2400"/>
-              <a:buFont typeface="Permanent Marker"/>
+              <a:buFont typeface="Permanent Marker" panose="02000000000000000000"/>
               <a:buNone/>
               <a:defRPr sz="2400">
                 <a:solidFill>
                   <a:schemeClr val="dk1"/>
                 </a:solidFill>
-                <a:latin typeface="Permanent Marker"/>
-                <a:ea typeface="Permanent Marker"/>
-                <a:cs typeface="Permanent Marker"/>
-                <a:sym typeface="Permanent Marker"/>
+                <a:latin typeface="Permanent Marker" panose="02000000000000000000"/>
+                <a:ea typeface="Permanent Marker" panose="02000000000000000000"/>
+                <a:cs typeface="Permanent Marker" panose="02000000000000000000"/>
+                <a:sym typeface="Permanent Marker" panose="02000000000000000000"/>
               </a:defRPr>
             </a:lvl4pPr>
             <a:lvl5pPr lvl="4" algn="ctr">
@@ -5296,16 +5179,16 @@
                 <a:schemeClr val="dk1"/>
               </a:buClr>
               <a:buSzPts val="2400"/>
-              <a:buFont typeface="Permanent Marker"/>
+              <a:buFont typeface="Permanent Marker" panose="02000000000000000000"/>
               <a:buNone/>
               <a:defRPr sz="2400">
                 <a:solidFill>
                   <a:schemeClr val="dk1"/>
                 </a:solidFill>
-                <a:latin typeface="Permanent Marker"/>
-                <a:ea typeface="Permanent Marker"/>
-                <a:cs typeface="Permanent Marker"/>
-                <a:sym typeface="Permanent Marker"/>
+                <a:latin typeface="Permanent Marker" panose="02000000000000000000"/>
+                <a:ea typeface="Permanent Marker" panose="02000000000000000000"/>
+                <a:cs typeface="Permanent Marker" panose="02000000000000000000"/>
+                <a:sym typeface="Permanent Marker" panose="02000000000000000000"/>
               </a:defRPr>
             </a:lvl5pPr>
             <a:lvl6pPr lvl="5" algn="ctr">
@@ -5319,16 +5202,16 @@
                 <a:schemeClr val="dk1"/>
               </a:buClr>
               <a:buSzPts val="2400"/>
-              <a:buFont typeface="Permanent Marker"/>
+              <a:buFont typeface="Permanent Marker" panose="02000000000000000000"/>
               <a:buNone/>
               <a:defRPr sz="2400">
                 <a:solidFill>
                   <a:schemeClr val="dk1"/>
                 </a:solidFill>
-                <a:latin typeface="Permanent Marker"/>
-                <a:ea typeface="Permanent Marker"/>
-                <a:cs typeface="Permanent Marker"/>
-                <a:sym typeface="Permanent Marker"/>
+                <a:latin typeface="Permanent Marker" panose="02000000000000000000"/>
+                <a:ea typeface="Permanent Marker" panose="02000000000000000000"/>
+                <a:cs typeface="Permanent Marker" panose="02000000000000000000"/>
+                <a:sym typeface="Permanent Marker" panose="02000000000000000000"/>
               </a:defRPr>
             </a:lvl6pPr>
             <a:lvl7pPr lvl="6" algn="ctr">
@@ -5342,16 +5225,16 @@
                 <a:schemeClr val="dk1"/>
               </a:buClr>
               <a:buSzPts val="2400"/>
-              <a:buFont typeface="Permanent Marker"/>
+              <a:buFont typeface="Permanent Marker" panose="02000000000000000000"/>
               <a:buNone/>
               <a:defRPr sz="2400">
                 <a:solidFill>
                   <a:schemeClr val="dk1"/>
                 </a:solidFill>
-                <a:latin typeface="Permanent Marker"/>
-                <a:ea typeface="Permanent Marker"/>
-                <a:cs typeface="Permanent Marker"/>
-                <a:sym typeface="Permanent Marker"/>
+                <a:latin typeface="Permanent Marker" panose="02000000000000000000"/>
+                <a:ea typeface="Permanent Marker" panose="02000000000000000000"/>
+                <a:cs typeface="Permanent Marker" panose="02000000000000000000"/>
+                <a:sym typeface="Permanent Marker" panose="02000000000000000000"/>
               </a:defRPr>
             </a:lvl7pPr>
             <a:lvl8pPr lvl="7" algn="ctr">
@@ -5365,16 +5248,16 @@
                 <a:schemeClr val="dk1"/>
               </a:buClr>
               <a:buSzPts val="2400"/>
-              <a:buFont typeface="Permanent Marker"/>
+              <a:buFont typeface="Permanent Marker" panose="02000000000000000000"/>
               <a:buNone/>
               <a:defRPr sz="2400">
                 <a:solidFill>
                   <a:schemeClr val="dk1"/>
                 </a:solidFill>
-                <a:latin typeface="Permanent Marker"/>
-                <a:ea typeface="Permanent Marker"/>
-                <a:cs typeface="Permanent Marker"/>
-                <a:sym typeface="Permanent Marker"/>
+                <a:latin typeface="Permanent Marker" panose="02000000000000000000"/>
+                <a:ea typeface="Permanent Marker" panose="02000000000000000000"/>
+                <a:cs typeface="Permanent Marker" panose="02000000000000000000"/>
+                <a:sym typeface="Permanent Marker" panose="02000000000000000000"/>
               </a:defRPr>
             </a:lvl8pPr>
             <a:lvl9pPr lvl="8" algn="ctr">
@@ -5388,22 +5271,20 @@
                 <a:schemeClr val="dk1"/>
               </a:buClr>
               <a:buSzPts val="2400"/>
-              <a:buFont typeface="Permanent Marker"/>
+              <a:buFont typeface="Permanent Marker" panose="02000000000000000000"/>
               <a:buNone/>
               <a:defRPr sz="2400">
                 <a:solidFill>
                   <a:schemeClr val="dk1"/>
                 </a:solidFill>
-                <a:latin typeface="Permanent Marker"/>
-                <a:ea typeface="Permanent Marker"/>
-                <a:cs typeface="Permanent Marker"/>
-                <a:sym typeface="Permanent Marker"/>
+                <a:latin typeface="Permanent Marker" panose="02000000000000000000"/>
+                <a:ea typeface="Permanent Marker" panose="02000000000000000000"/>
+                <a:cs typeface="Permanent Marker" panose="02000000000000000000"/>
+                <a:sym typeface="Permanent Marker" panose="02000000000000000000"/>
               </a:defRPr>
             </a:lvl9pPr>
           </a:lstStyle>
-          <a:p>
-            <a:endParaRPr/>
-          </a:p>
+          <a:p/>
         </p:txBody>
       </p:sp>
       <p:sp>
@@ -5445,16 +5326,16 @@
                 <a:schemeClr val="dk2"/>
               </a:buClr>
               <a:buSzPts val="2400"/>
-              <a:buFont typeface="Source Sans Pro"/>
+              <a:buFont typeface="Source Sans Pro" panose="020B0503030403020204"/>
               <a:buChar char="▸"/>
               <a:defRPr sz="2400">
                 <a:solidFill>
                   <a:schemeClr val="dk1"/>
                 </a:solidFill>
-                <a:latin typeface="Source Sans Pro"/>
-                <a:ea typeface="Source Sans Pro"/>
-                <a:cs typeface="Source Sans Pro"/>
-                <a:sym typeface="Source Sans Pro"/>
+                <a:latin typeface="Source Sans Pro" panose="020B0503030403020204"/>
+                <a:ea typeface="Source Sans Pro" panose="020B0503030403020204"/>
+                <a:cs typeface="Source Sans Pro" panose="020B0503030403020204"/>
+                <a:sym typeface="Source Sans Pro" panose="020B0503030403020204"/>
               </a:defRPr>
             </a:lvl1pPr>
             <a:lvl2pPr marL="914400" lvl="1" indent="-381000">
@@ -5468,16 +5349,16 @@
                 <a:schemeClr val="dk2"/>
               </a:buClr>
               <a:buSzPts val="2400"/>
-              <a:buFont typeface="Source Sans Pro"/>
+              <a:buFont typeface="Source Sans Pro" panose="020B0503030403020204"/>
               <a:buChar char="○"/>
               <a:defRPr sz="2400">
                 <a:solidFill>
                   <a:schemeClr val="dk1"/>
                 </a:solidFill>
-                <a:latin typeface="Source Sans Pro"/>
-                <a:ea typeface="Source Sans Pro"/>
-                <a:cs typeface="Source Sans Pro"/>
-                <a:sym typeface="Source Sans Pro"/>
+                <a:latin typeface="Source Sans Pro" panose="020B0503030403020204"/>
+                <a:ea typeface="Source Sans Pro" panose="020B0503030403020204"/>
+                <a:cs typeface="Source Sans Pro" panose="020B0503030403020204"/>
+                <a:sym typeface="Source Sans Pro" panose="020B0503030403020204"/>
               </a:defRPr>
             </a:lvl2pPr>
             <a:lvl3pPr marL="1371600" lvl="2" indent="-381000">
@@ -5491,16 +5372,16 @@
                 <a:schemeClr val="dk2"/>
               </a:buClr>
               <a:buSzPts val="2400"/>
-              <a:buFont typeface="Source Sans Pro"/>
+              <a:buFont typeface="Source Sans Pro" panose="020B0503030403020204"/>
               <a:buChar char="■"/>
               <a:defRPr sz="2400">
                 <a:solidFill>
                   <a:schemeClr val="dk1"/>
                 </a:solidFill>
-                <a:latin typeface="Source Sans Pro"/>
-                <a:ea typeface="Source Sans Pro"/>
-                <a:cs typeface="Source Sans Pro"/>
-                <a:sym typeface="Source Sans Pro"/>
+                <a:latin typeface="Source Sans Pro" panose="020B0503030403020204"/>
+                <a:ea typeface="Source Sans Pro" panose="020B0503030403020204"/>
+                <a:cs typeface="Source Sans Pro" panose="020B0503030403020204"/>
+                <a:sym typeface="Source Sans Pro" panose="020B0503030403020204"/>
               </a:defRPr>
             </a:lvl3pPr>
             <a:lvl4pPr marL="1828800" lvl="3" indent="-381000">
@@ -5514,16 +5395,16 @@
                 <a:schemeClr val="dk1"/>
               </a:buClr>
               <a:buSzPts val="2400"/>
-              <a:buFont typeface="Source Sans Pro"/>
+              <a:buFont typeface="Source Sans Pro" panose="020B0503030403020204"/>
               <a:buChar char="●"/>
               <a:defRPr sz="2400">
                 <a:solidFill>
                   <a:schemeClr val="dk1"/>
                 </a:solidFill>
-                <a:latin typeface="Source Sans Pro"/>
-                <a:ea typeface="Source Sans Pro"/>
-                <a:cs typeface="Source Sans Pro"/>
-                <a:sym typeface="Source Sans Pro"/>
+                <a:latin typeface="Source Sans Pro" panose="020B0503030403020204"/>
+                <a:ea typeface="Source Sans Pro" panose="020B0503030403020204"/>
+                <a:cs typeface="Source Sans Pro" panose="020B0503030403020204"/>
+                <a:sym typeface="Source Sans Pro" panose="020B0503030403020204"/>
               </a:defRPr>
             </a:lvl4pPr>
             <a:lvl5pPr marL="2286000" lvl="4" indent="-381000">
@@ -5537,16 +5418,16 @@
                 <a:schemeClr val="dk1"/>
               </a:buClr>
               <a:buSzPts val="2400"/>
-              <a:buFont typeface="Source Sans Pro"/>
+              <a:buFont typeface="Source Sans Pro" panose="020B0503030403020204"/>
               <a:buChar char="○"/>
               <a:defRPr sz="2400">
                 <a:solidFill>
                   <a:schemeClr val="dk1"/>
                 </a:solidFill>
-                <a:latin typeface="Source Sans Pro"/>
-                <a:ea typeface="Source Sans Pro"/>
-                <a:cs typeface="Source Sans Pro"/>
-                <a:sym typeface="Source Sans Pro"/>
+                <a:latin typeface="Source Sans Pro" panose="020B0503030403020204"/>
+                <a:ea typeface="Source Sans Pro" panose="020B0503030403020204"/>
+                <a:cs typeface="Source Sans Pro" panose="020B0503030403020204"/>
+                <a:sym typeface="Source Sans Pro" panose="020B0503030403020204"/>
               </a:defRPr>
             </a:lvl5pPr>
             <a:lvl6pPr marL="2743200" lvl="5" indent="-381000">
@@ -5560,16 +5441,16 @@
                 <a:schemeClr val="dk1"/>
               </a:buClr>
               <a:buSzPts val="2400"/>
-              <a:buFont typeface="Source Sans Pro"/>
+              <a:buFont typeface="Source Sans Pro" panose="020B0503030403020204"/>
               <a:buChar char="■"/>
               <a:defRPr sz="2400">
                 <a:solidFill>
                   <a:schemeClr val="dk1"/>
                 </a:solidFill>
-                <a:latin typeface="Source Sans Pro"/>
-                <a:ea typeface="Source Sans Pro"/>
-                <a:cs typeface="Source Sans Pro"/>
-                <a:sym typeface="Source Sans Pro"/>
+                <a:latin typeface="Source Sans Pro" panose="020B0503030403020204"/>
+                <a:ea typeface="Source Sans Pro" panose="020B0503030403020204"/>
+                <a:cs typeface="Source Sans Pro" panose="020B0503030403020204"/>
+                <a:sym typeface="Source Sans Pro" panose="020B0503030403020204"/>
               </a:defRPr>
             </a:lvl6pPr>
             <a:lvl7pPr marL="3200400" lvl="6" indent="-381000">
@@ -5583,16 +5464,16 @@
                 <a:schemeClr val="dk1"/>
               </a:buClr>
               <a:buSzPts val="2400"/>
-              <a:buFont typeface="Source Sans Pro"/>
+              <a:buFont typeface="Source Sans Pro" panose="020B0503030403020204"/>
               <a:buChar char="●"/>
               <a:defRPr sz="2400">
                 <a:solidFill>
                   <a:schemeClr val="dk1"/>
                 </a:solidFill>
-                <a:latin typeface="Source Sans Pro"/>
-                <a:ea typeface="Source Sans Pro"/>
-                <a:cs typeface="Source Sans Pro"/>
-                <a:sym typeface="Source Sans Pro"/>
+                <a:latin typeface="Source Sans Pro" panose="020B0503030403020204"/>
+                <a:ea typeface="Source Sans Pro" panose="020B0503030403020204"/>
+                <a:cs typeface="Source Sans Pro" panose="020B0503030403020204"/>
+                <a:sym typeface="Source Sans Pro" panose="020B0503030403020204"/>
               </a:defRPr>
             </a:lvl7pPr>
             <a:lvl8pPr marL="3657600" lvl="7" indent="-381000">
@@ -5606,16 +5487,16 @@
                 <a:schemeClr val="dk1"/>
               </a:buClr>
               <a:buSzPts val="2400"/>
-              <a:buFont typeface="Source Sans Pro"/>
+              <a:buFont typeface="Source Sans Pro" panose="020B0503030403020204"/>
               <a:buChar char="○"/>
               <a:defRPr sz="2400">
                 <a:solidFill>
                   <a:schemeClr val="dk1"/>
                 </a:solidFill>
-                <a:latin typeface="Source Sans Pro"/>
-                <a:ea typeface="Source Sans Pro"/>
-                <a:cs typeface="Source Sans Pro"/>
-                <a:sym typeface="Source Sans Pro"/>
+                <a:latin typeface="Source Sans Pro" panose="020B0503030403020204"/>
+                <a:ea typeface="Source Sans Pro" panose="020B0503030403020204"/>
+                <a:cs typeface="Source Sans Pro" panose="020B0503030403020204"/>
+                <a:sym typeface="Source Sans Pro" panose="020B0503030403020204"/>
               </a:defRPr>
             </a:lvl8pPr>
             <a:lvl9pPr marL="4114800" lvl="8" indent="-381000">
@@ -5629,22 +5510,20 @@
                 <a:schemeClr val="dk1"/>
               </a:buClr>
               <a:buSzPts val="2400"/>
-              <a:buFont typeface="Source Sans Pro"/>
+              <a:buFont typeface="Source Sans Pro" panose="020B0503030403020204"/>
               <a:buChar char="■"/>
               <a:defRPr sz="2400">
                 <a:solidFill>
                   <a:schemeClr val="dk1"/>
                 </a:solidFill>
-                <a:latin typeface="Source Sans Pro"/>
-                <a:ea typeface="Source Sans Pro"/>
-                <a:cs typeface="Source Sans Pro"/>
-                <a:sym typeface="Source Sans Pro"/>
+                <a:latin typeface="Source Sans Pro" panose="020B0503030403020204"/>
+                <a:ea typeface="Source Sans Pro" panose="020B0503030403020204"/>
+                <a:cs typeface="Source Sans Pro" panose="020B0503030403020204"/>
+                <a:sym typeface="Source Sans Pro" panose="020B0503030403020204"/>
               </a:defRPr>
             </a:lvl9pPr>
           </a:lstStyle>
-          <a:p>
-            <a:endParaRPr/>
-          </a:p>
+          <a:p/>
         </p:txBody>
       </p:sp>
       <p:sp>
@@ -5681,10 +5560,10 @@
                 <a:solidFill>
                   <a:schemeClr val="dk2"/>
                 </a:solidFill>
-                <a:latin typeface="Permanent Marker"/>
-                <a:ea typeface="Permanent Marker"/>
-                <a:cs typeface="Permanent Marker"/>
-                <a:sym typeface="Permanent Marker"/>
+                <a:latin typeface="Permanent Marker" panose="02000000000000000000"/>
+                <a:ea typeface="Permanent Marker" panose="02000000000000000000"/>
+                <a:cs typeface="Permanent Marker" panose="02000000000000000000"/>
+                <a:sym typeface="Permanent Marker" panose="02000000000000000000"/>
               </a:defRPr>
             </a:lvl1pPr>
             <a:lvl2pPr lvl="1" algn="ctr">
@@ -5693,10 +5572,10 @@
                 <a:solidFill>
                   <a:schemeClr val="dk2"/>
                 </a:solidFill>
-                <a:latin typeface="Permanent Marker"/>
-                <a:ea typeface="Permanent Marker"/>
-                <a:cs typeface="Permanent Marker"/>
-                <a:sym typeface="Permanent Marker"/>
+                <a:latin typeface="Permanent Marker" panose="02000000000000000000"/>
+                <a:ea typeface="Permanent Marker" panose="02000000000000000000"/>
+                <a:cs typeface="Permanent Marker" panose="02000000000000000000"/>
+                <a:sym typeface="Permanent Marker" panose="02000000000000000000"/>
               </a:defRPr>
             </a:lvl2pPr>
             <a:lvl3pPr lvl="2" algn="ctr">
@@ -5705,10 +5584,10 @@
                 <a:solidFill>
                   <a:schemeClr val="dk2"/>
                 </a:solidFill>
-                <a:latin typeface="Permanent Marker"/>
-                <a:ea typeface="Permanent Marker"/>
-                <a:cs typeface="Permanent Marker"/>
-                <a:sym typeface="Permanent Marker"/>
+                <a:latin typeface="Permanent Marker" panose="02000000000000000000"/>
+                <a:ea typeface="Permanent Marker" panose="02000000000000000000"/>
+                <a:cs typeface="Permanent Marker" panose="02000000000000000000"/>
+                <a:sym typeface="Permanent Marker" panose="02000000000000000000"/>
               </a:defRPr>
             </a:lvl3pPr>
             <a:lvl4pPr lvl="3" algn="ctr">
@@ -5717,10 +5596,10 @@
                 <a:solidFill>
                   <a:schemeClr val="dk2"/>
                 </a:solidFill>
-                <a:latin typeface="Permanent Marker"/>
-                <a:ea typeface="Permanent Marker"/>
-                <a:cs typeface="Permanent Marker"/>
-                <a:sym typeface="Permanent Marker"/>
+                <a:latin typeface="Permanent Marker" panose="02000000000000000000"/>
+                <a:ea typeface="Permanent Marker" panose="02000000000000000000"/>
+                <a:cs typeface="Permanent Marker" panose="02000000000000000000"/>
+                <a:sym typeface="Permanent Marker" panose="02000000000000000000"/>
               </a:defRPr>
             </a:lvl4pPr>
             <a:lvl5pPr lvl="4" algn="ctr">
@@ -5729,10 +5608,10 @@
                 <a:solidFill>
                   <a:schemeClr val="dk2"/>
                 </a:solidFill>
-                <a:latin typeface="Permanent Marker"/>
-                <a:ea typeface="Permanent Marker"/>
-                <a:cs typeface="Permanent Marker"/>
-                <a:sym typeface="Permanent Marker"/>
+                <a:latin typeface="Permanent Marker" panose="02000000000000000000"/>
+                <a:ea typeface="Permanent Marker" panose="02000000000000000000"/>
+                <a:cs typeface="Permanent Marker" panose="02000000000000000000"/>
+                <a:sym typeface="Permanent Marker" panose="02000000000000000000"/>
               </a:defRPr>
             </a:lvl5pPr>
             <a:lvl6pPr lvl="5" algn="ctr">
@@ -5741,10 +5620,10 @@
                 <a:solidFill>
                   <a:schemeClr val="dk2"/>
                 </a:solidFill>
-                <a:latin typeface="Permanent Marker"/>
-                <a:ea typeface="Permanent Marker"/>
-                <a:cs typeface="Permanent Marker"/>
-                <a:sym typeface="Permanent Marker"/>
+                <a:latin typeface="Permanent Marker" panose="02000000000000000000"/>
+                <a:ea typeface="Permanent Marker" panose="02000000000000000000"/>
+                <a:cs typeface="Permanent Marker" panose="02000000000000000000"/>
+                <a:sym typeface="Permanent Marker" panose="02000000000000000000"/>
               </a:defRPr>
             </a:lvl6pPr>
             <a:lvl7pPr lvl="6" algn="ctr">
@@ -5753,10 +5632,10 @@
                 <a:solidFill>
                   <a:schemeClr val="dk2"/>
                 </a:solidFill>
-                <a:latin typeface="Permanent Marker"/>
-                <a:ea typeface="Permanent Marker"/>
-                <a:cs typeface="Permanent Marker"/>
-                <a:sym typeface="Permanent Marker"/>
+                <a:latin typeface="Permanent Marker" panose="02000000000000000000"/>
+                <a:ea typeface="Permanent Marker" panose="02000000000000000000"/>
+                <a:cs typeface="Permanent Marker" panose="02000000000000000000"/>
+                <a:sym typeface="Permanent Marker" panose="02000000000000000000"/>
               </a:defRPr>
             </a:lvl7pPr>
             <a:lvl8pPr lvl="7" algn="ctr">
@@ -5765,10 +5644,10 @@
                 <a:solidFill>
                   <a:schemeClr val="dk2"/>
                 </a:solidFill>
-                <a:latin typeface="Permanent Marker"/>
-                <a:ea typeface="Permanent Marker"/>
-                <a:cs typeface="Permanent Marker"/>
-                <a:sym typeface="Permanent Marker"/>
+                <a:latin typeface="Permanent Marker" panose="02000000000000000000"/>
+                <a:ea typeface="Permanent Marker" panose="02000000000000000000"/>
+                <a:cs typeface="Permanent Marker" panose="02000000000000000000"/>
+                <a:sym typeface="Permanent Marker" panose="02000000000000000000"/>
               </a:defRPr>
             </a:lvl8pPr>
             <a:lvl9pPr lvl="8" algn="ctr">
@@ -5777,10 +5656,10 @@
                 <a:solidFill>
                   <a:schemeClr val="dk2"/>
                 </a:solidFill>
-                <a:latin typeface="Permanent Marker"/>
-                <a:ea typeface="Permanent Marker"/>
-                <a:cs typeface="Permanent Marker"/>
-                <a:sym typeface="Permanent Marker"/>
+                <a:latin typeface="Permanent Marker" panose="02000000000000000000"/>
+                <a:ea typeface="Permanent Marker" panose="02000000000000000000"/>
+                <a:cs typeface="Permanent Marker" panose="02000000000000000000"/>
+                <a:sym typeface="Permanent Marker" panose="02000000000000000000"/>
               </a:defRPr>
             </a:lvl9pPr>
           </a:lstStyle>
@@ -5795,19 +5674,9 @@
               <a:buNone/>
             </a:pPr>
             <a:fld id="{00000000-1234-1234-1234-123412341234}" type="slidenum">
-              <a:rPr lang="en"/>
-              <a:pPr marL="0" lvl="0" indent="0" algn="ctr" rtl="0">
-                <a:spcBef>
-                  <a:spcPts val="0"/>
-                </a:spcBef>
-                <a:spcAft>
-                  <a:spcPts val="0"/>
-                </a:spcAft>
-                <a:buNone/>
-              </a:pPr>
-              <a:t>‹#›</a:t>
+              <a:rPr lang="en-GB"/>
             </a:fld>
-            <a:endParaRPr/>
+            <a:endParaRPr lang="en-GB"/>
           </a:p>
         </p:txBody>
       </p:sp>
@@ -5815,16 +5684,16 @@
   </p:cSld>
   <p:clrMap bg1="lt1" tx1="dk1" bg2="dk2" tx2="lt2" accent1="accent1" accent2="accent2" accent3="accent3" accent4="accent4" accent5="accent5" accent6="accent6" hlink="hlink" folHlink="folHlink"/>
   <p:sldLayoutIdLst>
-    <p:sldLayoutId id="2147483648" r:id="rId1"/>
+    <p:sldLayoutId id="2147483649" r:id="rId1"/>
     <p:sldLayoutId id="2147483650" r:id="rId2"/>
-    <p:sldLayoutId id="2147483652" r:id="rId3"/>
-    <p:sldLayoutId id="2147483653" r:id="rId4"/>
-    <p:sldLayoutId id="2147483655" r:id="rId5"/>
-    <p:sldLayoutId id="2147483656" r:id="rId6"/>
-    <p:sldLayoutId id="2147483658" r:id="rId7"/>
-    <p:sldLayoutId id="2147483659" r:id="rId8"/>
-    <p:sldLayoutId id="2147483662" r:id="rId9"/>
-    <p:sldLayoutId id="2147483664" r:id="rId10"/>
+    <p:sldLayoutId id="2147483651" r:id="rId3"/>
+    <p:sldLayoutId id="2147483652" r:id="rId4"/>
+    <p:sldLayoutId id="2147483653" r:id="rId5"/>
+    <p:sldLayoutId id="2147483654" r:id="rId6"/>
+    <p:sldLayoutId id="2147483655" r:id="rId7"/>
+    <p:sldLayoutId id="2147483656" r:id="rId8"/>
+    <p:sldLayoutId id="2147483657" r:id="rId9"/>
+    <p:sldLayoutId id="2147483658" r:id="rId10"/>
   </p:sldLayoutIdLst>
   <p:transition>
     <p:fade thruBlk="1"/>
@@ -5856,15 +5725,15 @@
         <a:buClr>
           <a:srgbClr val="000000"/>
         </a:buClr>
-        <a:buFont typeface="Arial"/>
+        <a:buFont typeface="Arial" panose="020B0604020202020204"/>
         <a:defRPr sz="1400" b="0" i="0" u="none" strike="noStrike" cap="none">
           <a:solidFill>
             <a:srgbClr val="000000"/>
           </a:solidFill>
-          <a:latin typeface="Arial"/>
-          <a:ea typeface="Arial"/>
-          <a:cs typeface="Arial"/>
-          <a:sym typeface="Arial"/>
+          <a:latin typeface="Arial" panose="020B0604020202020204"/>
+          <a:ea typeface="Arial" panose="020B0604020202020204"/>
+          <a:cs typeface="Arial" panose="020B0604020202020204"/>
+          <a:sym typeface="Arial" panose="020B0604020202020204"/>
         </a:defRPr>
       </a:lvl1pPr>
       <a:lvl2pPr marR="0" lvl="1" algn="l" rtl="0">
@@ -5880,15 +5749,15 @@
         <a:buClr>
           <a:srgbClr val="000000"/>
         </a:buClr>
-        <a:buFont typeface="Arial"/>
+        <a:buFont typeface="Arial" panose="020B0604020202020204"/>
         <a:defRPr sz="1400" b="0" i="0" u="none" strike="noStrike" cap="none">
           <a:solidFill>
             <a:srgbClr val="000000"/>
           </a:solidFill>
-          <a:latin typeface="Arial"/>
-          <a:ea typeface="Arial"/>
-          <a:cs typeface="Arial"/>
-          <a:sym typeface="Arial"/>
+          <a:latin typeface="Arial" panose="020B0604020202020204"/>
+          <a:ea typeface="Arial" panose="020B0604020202020204"/>
+          <a:cs typeface="Arial" panose="020B0604020202020204"/>
+          <a:sym typeface="Arial" panose="020B0604020202020204"/>
         </a:defRPr>
       </a:lvl2pPr>
       <a:lvl3pPr marR="0" lvl="2" algn="l" rtl="0">
@@ -5904,15 +5773,15 @@
         <a:buClr>
           <a:srgbClr val="000000"/>
         </a:buClr>
-        <a:buFont typeface="Arial"/>
+        <a:buFont typeface="Arial" panose="020B0604020202020204"/>
         <a:defRPr sz="1400" b="0" i="0" u="none" strike="noStrike" cap="none">
           <a:solidFill>
             <a:srgbClr val="000000"/>
           </a:solidFill>
-          <a:latin typeface="Arial"/>
-          <a:ea typeface="Arial"/>
-          <a:cs typeface="Arial"/>
-          <a:sym typeface="Arial"/>
+          <a:latin typeface="Arial" panose="020B0604020202020204"/>
+          <a:ea typeface="Arial" panose="020B0604020202020204"/>
+          <a:cs typeface="Arial" panose="020B0604020202020204"/>
+          <a:sym typeface="Arial" panose="020B0604020202020204"/>
         </a:defRPr>
       </a:lvl3pPr>
       <a:lvl4pPr marR="0" lvl="3" algn="l" rtl="0">
@@ -5928,15 +5797,15 @@
         <a:buClr>
           <a:srgbClr val="000000"/>
         </a:buClr>
-        <a:buFont typeface="Arial"/>
+        <a:buFont typeface="Arial" panose="020B0604020202020204"/>
         <a:defRPr sz="1400" b="0" i="0" u="none" strike="noStrike" cap="none">
           <a:solidFill>
             <a:srgbClr val="000000"/>
           </a:solidFill>
-          <a:latin typeface="Arial"/>
-          <a:ea typeface="Arial"/>
-          <a:cs typeface="Arial"/>
-          <a:sym typeface="Arial"/>
+          <a:latin typeface="Arial" panose="020B0604020202020204"/>
+          <a:ea typeface="Arial" panose="020B0604020202020204"/>
+          <a:cs typeface="Arial" panose="020B0604020202020204"/>
+          <a:sym typeface="Arial" panose="020B0604020202020204"/>
         </a:defRPr>
       </a:lvl4pPr>
       <a:lvl5pPr marR="0" lvl="4" algn="l" rtl="0">
@@ -5952,15 +5821,15 @@
         <a:buClr>
           <a:srgbClr val="000000"/>
         </a:buClr>
-        <a:buFont typeface="Arial"/>
+        <a:buFont typeface="Arial" panose="020B0604020202020204"/>
         <a:defRPr sz="1400" b="0" i="0" u="none" strike="noStrike" cap="none">
           <a:solidFill>
             <a:srgbClr val="000000"/>
           </a:solidFill>
-          <a:latin typeface="Arial"/>
-          <a:ea typeface="Arial"/>
-          <a:cs typeface="Arial"/>
-          <a:sym typeface="Arial"/>
+          <a:latin typeface="Arial" panose="020B0604020202020204"/>
+          <a:ea typeface="Arial" panose="020B0604020202020204"/>
+          <a:cs typeface="Arial" panose="020B0604020202020204"/>
+          <a:sym typeface="Arial" panose="020B0604020202020204"/>
         </a:defRPr>
       </a:lvl5pPr>
       <a:lvl6pPr marR="0" lvl="5" algn="l" rtl="0">
@@ -5976,15 +5845,15 @@
         <a:buClr>
           <a:srgbClr val="000000"/>
         </a:buClr>
-        <a:buFont typeface="Arial"/>
+        <a:buFont typeface="Arial" panose="020B0604020202020204"/>
         <a:defRPr sz="1400" b="0" i="0" u="none" strike="noStrike" cap="none">
           <a:solidFill>
             <a:srgbClr val="000000"/>
           </a:solidFill>
-          <a:latin typeface="Arial"/>
-          <a:ea typeface="Arial"/>
-          <a:cs typeface="Arial"/>
-          <a:sym typeface="Arial"/>
+          <a:latin typeface="Arial" panose="020B0604020202020204"/>
+          <a:ea typeface="Arial" panose="020B0604020202020204"/>
+          <a:cs typeface="Arial" panose="020B0604020202020204"/>
+          <a:sym typeface="Arial" panose="020B0604020202020204"/>
         </a:defRPr>
       </a:lvl6pPr>
       <a:lvl7pPr marR="0" lvl="6" algn="l" rtl="0">
@@ -6000,15 +5869,15 @@
         <a:buClr>
           <a:srgbClr val="000000"/>
         </a:buClr>
-        <a:buFont typeface="Arial"/>
+        <a:buFont typeface="Arial" panose="020B0604020202020204"/>
         <a:defRPr sz="1400" b="0" i="0" u="none" strike="noStrike" cap="none">
           <a:solidFill>
             <a:srgbClr val="000000"/>
           </a:solidFill>
-          <a:latin typeface="Arial"/>
-          <a:ea typeface="Arial"/>
-          <a:cs typeface="Arial"/>
-          <a:sym typeface="Arial"/>
+          <a:latin typeface="Arial" panose="020B0604020202020204"/>
+          <a:ea typeface="Arial" panose="020B0604020202020204"/>
+          <a:cs typeface="Arial" panose="020B0604020202020204"/>
+          <a:sym typeface="Arial" panose="020B0604020202020204"/>
         </a:defRPr>
       </a:lvl7pPr>
       <a:lvl8pPr marR="0" lvl="7" algn="l" rtl="0">
@@ -6024,15 +5893,15 @@
         <a:buClr>
           <a:srgbClr val="000000"/>
         </a:buClr>
-        <a:buFont typeface="Arial"/>
+        <a:buFont typeface="Arial" panose="020B0604020202020204"/>
         <a:defRPr sz="1400" b="0" i="0" u="none" strike="noStrike" cap="none">
           <a:solidFill>
             <a:srgbClr val="000000"/>
           </a:solidFill>
-          <a:latin typeface="Arial"/>
-          <a:ea typeface="Arial"/>
-          <a:cs typeface="Arial"/>
-          <a:sym typeface="Arial"/>
+          <a:latin typeface="Arial" panose="020B0604020202020204"/>
+          <a:ea typeface="Arial" panose="020B0604020202020204"/>
+          <a:cs typeface="Arial" panose="020B0604020202020204"/>
+          <a:sym typeface="Arial" panose="020B0604020202020204"/>
         </a:defRPr>
       </a:lvl8pPr>
       <a:lvl9pPr marR="0" lvl="8" algn="l" rtl="0">
@@ -6048,15 +5917,15 @@
         <a:buClr>
           <a:srgbClr val="000000"/>
         </a:buClr>
-        <a:buFont typeface="Arial"/>
+        <a:buFont typeface="Arial" panose="020B0604020202020204"/>
         <a:defRPr sz="1400" b="0" i="0" u="none" strike="noStrike" cap="none">
           <a:solidFill>
             <a:srgbClr val="000000"/>
           </a:solidFill>
-          <a:latin typeface="Arial"/>
-          <a:ea typeface="Arial"/>
-          <a:cs typeface="Arial"/>
-          <a:sym typeface="Arial"/>
+          <a:latin typeface="Arial" panose="020B0604020202020204"/>
+          <a:ea typeface="Arial" panose="020B0604020202020204"/>
+          <a:cs typeface="Arial" panose="020B0604020202020204"/>
+          <a:sym typeface="Arial" panose="020B0604020202020204"/>
         </a:defRPr>
       </a:lvl9pPr>
     </p:titleStyle>
@@ -6085,15 +5954,15 @@
         <a:buClr>
           <a:srgbClr val="000000"/>
         </a:buClr>
-        <a:buFont typeface="Arial"/>
+        <a:buFont typeface="Arial" panose="020B0604020202020204"/>
         <a:defRPr sz="1400" b="0" i="0" u="none" strike="noStrike" cap="none">
           <a:solidFill>
             <a:srgbClr val="000000"/>
           </a:solidFill>
-          <a:latin typeface="Arial"/>
-          <a:ea typeface="Arial"/>
-          <a:cs typeface="Arial"/>
-          <a:sym typeface="Arial"/>
+          <a:latin typeface="Arial" panose="020B0604020202020204"/>
+          <a:ea typeface="Arial" panose="020B0604020202020204"/>
+          <a:cs typeface="Arial" panose="020B0604020202020204"/>
+          <a:sym typeface="Arial" panose="020B0604020202020204"/>
         </a:defRPr>
       </a:lvl1pPr>
       <a:lvl2pPr marR="0" lvl="1" algn="l" rtl="0">
@@ -6109,15 +5978,15 @@
         <a:buClr>
           <a:srgbClr val="000000"/>
         </a:buClr>
-        <a:buFont typeface="Arial"/>
+        <a:buFont typeface="Arial" panose="020B0604020202020204"/>
         <a:defRPr sz="1400" b="0" i="0" u="none" strike="noStrike" cap="none">
           <a:solidFill>
             <a:srgbClr val="000000"/>
           </a:solidFill>
-          <a:latin typeface="Arial"/>
-          <a:ea typeface="Arial"/>
-          <a:cs typeface="Arial"/>
-          <a:sym typeface="Arial"/>
+          <a:latin typeface="Arial" panose="020B0604020202020204"/>
+          <a:ea typeface="Arial" panose="020B0604020202020204"/>
+          <a:cs typeface="Arial" panose="020B0604020202020204"/>
+          <a:sym typeface="Arial" panose="020B0604020202020204"/>
         </a:defRPr>
       </a:lvl2pPr>
       <a:lvl3pPr marR="0" lvl="2" algn="l" rtl="0">
@@ -6133,15 +6002,15 @@
         <a:buClr>
           <a:srgbClr val="000000"/>
         </a:buClr>
-        <a:buFont typeface="Arial"/>
+        <a:buFont typeface="Arial" panose="020B0604020202020204"/>
         <a:defRPr sz="1400" b="0" i="0" u="none" strike="noStrike" cap="none">
           <a:solidFill>
             <a:srgbClr val="000000"/>
           </a:solidFill>
-          <a:latin typeface="Arial"/>
-          <a:ea typeface="Arial"/>
-          <a:cs typeface="Arial"/>
-          <a:sym typeface="Arial"/>
+          <a:latin typeface="Arial" panose="020B0604020202020204"/>
+          <a:ea typeface="Arial" panose="020B0604020202020204"/>
+          <a:cs typeface="Arial" panose="020B0604020202020204"/>
+          <a:sym typeface="Arial" panose="020B0604020202020204"/>
         </a:defRPr>
       </a:lvl3pPr>
       <a:lvl4pPr marR="0" lvl="3" algn="l" rtl="0">
@@ -6157,15 +6026,15 @@
         <a:buClr>
           <a:srgbClr val="000000"/>
         </a:buClr>
-        <a:buFont typeface="Arial"/>
+        <a:buFont typeface="Arial" panose="020B0604020202020204"/>
         <a:defRPr sz="1400" b="0" i="0" u="none" strike="noStrike" cap="none">
           <a:solidFill>
             <a:srgbClr val="000000"/>
           </a:solidFill>
-          <a:latin typeface="Arial"/>
-          <a:ea typeface="Arial"/>
-          <a:cs typeface="Arial"/>
-          <a:sym typeface="Arial"/>
+          <a:latin typeface="Arial" panose="020B0604020202020204"/>
+          <a:ea typeface="Arial" panose="020B0604020202020204"/>
+          <a:cs typeface="Arial" panose="020B0604020202020204"/>
+          <a:sym typeface="Arial" panose="020B0604020202020204"/>
         </a:defRPr>
       </a:lvl4pPr>
       <a:lvl5pPr marR="0" lvl="4" algn="l" rtl="0">
@@ -6181,15 +6050,15 @@
         <a:buClr>
           <a:srgbClr val="000000"/>
         </a:buClr>
-        <a:buFont typeface="Arial"/>
+        <a:buFont typeface="Arial" panose="020B0604020202020204"/>
         <a:defRPr sz="1400" b="0" i="0" u="none" strike="noStrike" cap="none">
           <a:solidFill>
             <a:srgbClr val="000000"/>
           </a:solidFill>
-          <a:latin typeface="Arial"/>
-          <a:ea typeface="Arial"/>
-          <a:cs typeface="Arial"/>
-          <a:sym typeface="Arial"/>
+          <a:latin typeface="Arial" panose="020B0604020202020204"/>
+          <a:ea typeface="Arial" panose="020B0604020202020204"/>
+          <a:cs typeface="Arial" panose="020B0604020202020204"/>
+          <a:sym typeface="Arial" panose="020B0604020202020204"/>
         </a:defRPr>
       </a:lvl5pPr>
       <a:lvl6pPr marR="0" lvl="5" algn="l" rtl="0">
@@ -6205,15 +6074,15 @@
         <a:buClr>
           <a:srgbClr val="000000"/>
         </a:buClr>
-        <a:buFont typeface="Arial"/>
+        <a:buFont typeface="Arial" panose="020B0604020202020204"/>
         <a:defRPr sz="1400" b="0" i="0" u="none" strike="noStrike" cap="none">
           <a:solidFill>
             <a:srgbClr val="000000"/>
           </a:solidFill>
-          <a:latin typeface="Arial"/>
-          <a:ea typeface="Arial"/>
-          <a:cs typeface="Arial"/>
-          <a:sym typeface="Arial"/>
+          <a:latin typeface="Arial" panose="020B0604020202020204"/>
+          <a:ea typeface="Arial" panose="020B0604020202020204"/>
+          <a:cs typeface="Arial" panose="020B0604020202020204"/>
+          <a:sym typeface="Arial" panose="020B0604020202020204"/>
         </a:defRPr>
       </a:lvl6pPr>
       <a:lvl7pPr marR="0" lvl="6" algn="l" rtl="0">
@@ -6229,15 +6098,15 @@
         <a:buClr>
           <a:srgbClr val="000000"/>
         </a:buClr>
-        <a:buFont typeface="Arial"/>
+        <a:buFont typeface="Arial" panose="020B0604020202020204"/>
         <a:defRPr sz="1400" b="0" i="0" u="none" strike="noStrike" cap="none">
           <a:solidFill>
             <a:srgbClr val="000000"/>
           </a:solidFill>
-          <a:latin typeface="Arial"/>
-          <a:ea typeface="Arial"/>
-          <a:cs typeface="Arial"/>
-          <a:sym typeface="Arial"/>
+          <a:latin typeface="Arial" panose="020B0604020202020204"/>
+          <a:ea typeface="Arial" panose="020B0604020202020204"/>
+          <a:cs typeface="Arial" panose="020B0604020202020204"/>
+          <a:sym typeface="Arial" panose="020B0604020202020204"/>
         </a:defRPr>
       </a:lvl7pPr>
       <a:lvl8pPr marR="0" lvl="7" algn="l" rtl="0">
@@ -6253,15 +6122,15 @@
         <a:buClr>
           <a:srgbClr val="000000"/>
         </a:buClr>
-        <a:buFont typeface="Arial"/>
+        <a:buFont typeface="Arial" panose="020B0604020202020204"/>
         <a:defRPr sz="1400" b="0" i="0" u="none" strike="noStrike" cap="none">
           <a:solidFill>
             <a:srgbClr val="000000"/>
           </a:solidFill>
-          <a:latin typeface="Arial"/>
-          <a:ea typeface="Arial"/>
-          <a:cs typeface="Arial"/>
-          <a:sym typeface="Arial"/>
+          <a:latin typeface="Arial" panose="020B0604020202020204"/>
+          <a:ea typeface="Arial" panose="020B0604020202020204"/>
+          <a:cs typeface="Arial" panose="020B0604020202020204"/>
+          <a:sym typeface="Arial" panose="020B0604020202020204"/>
         </a:defRPr>
       </a:lvl8pPr>
       <a:lvl9pPr marR="0" lvl="8" algn="l" rtl="0">
@@ -6277,15 +6146,15 @@
         <a:buClr>
           <a:srgbClr val="000000"/>
         </a:buClr>
-        <a:buFont typeface="Arial"/>
+        <a:buFont typeface="Arial" panose="020B0604020202020204"/>
         <a:defRPr sz="1400" b="0" i="0" u="none" strike="noStrike" cap="none">
           <a:solidFill>
             <a:srgbClr val="000000"/>
           </a:solidFill>
-          <a:latin typeface="Arial"/>
-          <a:ea typeface="Arial"/>
-          <a:cs typeface="Arial"/>
-          <a:sym typeface="Arial"/>
+          <a:latin typeface="Arial" panose="020B0604020202020204"/>
+          <a:ea typeface="Arial" panose="020B0604020202020204"/>
+          <a:cs typeface="Arial" panose="020B0604020202020204"/>
+          <a:sym typeface="Arial" panose="020B0604020202020204"/>
         </a:defRPr>
       </a:lvl9pPr>
     </p:bodyStyle>
@@ -6314,15 +6183,15 @@
         <a:buClr>
           <a:srgbClr val="000000"/>
         </a:buClr>
-        <a:buFont typeface="Arial"/>
+        <a:buFont typeface="Arial" panose="020B0604020202020204"/>
         <a:defRPr sz="1400" b="0" i="0" u="none" strike="noStrike" cap="none">
           <a:solidFill>
             <a:srgbClr val="000000"/>
           </a:solidFill>
-          <a:latin typeface="Arial"/>
-          <a:ea typeface="Arial"/>
-          <a:cs typeface="Arial"/>
-          <a:sym typeface="Arial"/>
+          <a:latin typeface="Arial" panose="020B0604020202020204"/>
+          <a:ea typeface="Arial" panose="020B0604020202020204"/>
+          <a:cs typeface="Arial" panose="020B0604020202020204"/>
+          <a:sym typeface="Arial" panose="020B0604020202020204"/>
         </a:defRPr>
       </a:lvl1pPr>
       <a:lvl2pPr marR="0" lvl="1" algn="l" rtl="0">
@@ -6338,15 +6207,15 @@
         <a:buClr>
           <a:srgbClr val="000000"/>
         </a:buClr>
-        <a:buFont typeface="Arial"/>
+        <a:buFont typeface="Arial" panose="020B0604020202020204"/>
         <a:defRPr sz="1400" b="0" i="0" u="none" strike="noStrike" cap="none">
           <a:solidFill>
             <a:srgbClr val="000000"/>
           </a:solidFill>
-          <a:latin typeface="Arial"/>
-          <a:ea typeface="Arial"/>
-          <a:cs typeface="Arial"/>
-          <a:sym typeface="Arial"/>
+          <a:latin typeface="Arial" panose="020B0604020202020204"/>
+          <a:ea typeface="Arial" panose="020B0604020202020204"/>
+          <a:cs typeface="Arial" panose="020B0604020202020204"/>
+          <a:sym typeface="Arial" panose="020B0604020202020204"/>
         </a:defRPr>
       </a:lvl2pPr>
       <a:lvl3pPr marR="0" lvl="2" algn="l" rtl="0">
@@ -6362,15 +6231,15 @@
         <a:buClr>
           <a:srgbClr val="000000"/>
         </a:buClr>
-        <a:buFont typeface="Arial"/>
+        <a:buFont typeface="Arial" panose="020B0604020202020204"/>
         <a:defRPr sz="1400" b="0" i="0" u="none" strike="noStrike" cap="none">
           <a:solidFill>
             <a:srgbClr val="000000"/>
           </a:solidFill>
-          <a:latin typeface="Arial"/>
-          <a:ea typeface="Arial"/>
-          <a:cs typeface="Arial"/>
-          <a:sym typeface="Arial"/>
+          <a:latin typeface="Arial" panose="020B0604020202020204"/>
+          <a:ea typeface="Arial" panose="020B0604020202020204"/>
+          <a:cs typeface="Arial" panose="020B0604020202020204"/>
+          <a:sym typeface="Arial" panose="020B0604020202020204"/>
         </a:defRPr>
       </a:lvl3pPr>
       <a:lvl4pPr marR="0" lvl="3" algn="l" rtl="0">
@@ -6386,15 +6255,15 @@
         <a:buClr>
           <a:srgbClr val="000000"/>
         </a:buClr>
-        <a:buFont typeface="Arial"/>
+        <a:buFont typeface="Arial" panose="020B0604020202020204"/>
         <a:defRPr sz="1400" b="0" i="0" u="none" strike="noStrike" cap="none">
           <a:solidFill>
             <a:srgbClr val="000000"/>
           </a:solidFill>
-          <a:latin typeface="Arial"/>
-          <a:ea typeface="Arial"/>
-          <a:cs typeface="Arial"/>
-          <a:sym typeface="Arial"/>
+          <a:latin typeface="Arial" panose="020B0604020202020204"/>
+          <a:ea typeface="Arial" panose="020B0604020202020204"/>
+          <a:cs typeface="Arial" panose="020B0604020202020204"/>
+          <a:sym typeface="Arial" panose="020B0604020202020204"/>
         </a:defRPr>
       </a:lvl4pPr>
       <a:lvl5pPr marR="0" lvl="4" algn="l" rtl="0">
@@ -6410,15 +6279,15 @@
         <a:buClr>
           <a:srgbClr val="000000"/>
         </a:buClr>
-        <a:buFont typeface="Arial"/>
+        <a:buFont typeface="Arial" panose="020B0604020202020204"/>
         <a:defRPr sz="1400" b="0" i="0" u="none" strike="noStrike" cap="none">
           <a:solidFill>
             <a:srgbClr val="000000"/>
           </a:solidFill>
-          <a:latin typeface="Arial"/>
-          <a:ea typeface="Arial"/>
-          <a:cs typeface="Arial"/>
-          <a:sym typeface="Arial"/>
+          <a:latin typeface="Arial" panose="020B0604020202020204"/>
+          <a:ea typeface="Arial" panose="020B0604020202020204"/>
+          <a:cs typeface="Arial" panose="020B0604020202020204"/>
+          <a:sym typeface="Arial" panose="020B0604020202020204"/>
         </a:defRPr>
       </a:lvl5pPr>
       <a:lvl6pPr marR="0" lvl="5" algn="l" rtl="0">
@@ -6434,15 +6303,15 @@
         <a:buClr>
           <a:srgbClr val="000000"/>
         </a:buClr>
-        <a:buFont typeface="Arial"/>
+        <a:buFont typeface="Arial" panose="020B0604020202020204"/>
         <a:defRPr sz="1400" b="0" i="0" u="none" strike="noStrike" cap="none">
           <a:solidFill>
             <a:srgbClr val="000000"/>
           </a:solidFill>
-          <a:latin typeface="Arial"/>
-          <a:ea typeface="Arial"/>
-          <a:cs typeface="Arial"/>
-          <a:sym typeface="Arial"/>
+          <a:latin typeface="Arial" panose="020B0604020202020204"/>
+          <a:ea typeface="Arial" panose="020B0604020202020204"/>
+          <a:cs typeface="Arial" panose="020B0604020202020204"/>
+          <a:sym typeface="Arial" panose="020B0604020202020204"/>
         </a:defRPr>
       </a:lvl6pPr>
       <a:lvl7pPr marR="0" lvl="6" algn="l" rtl="0">
@@ -6458,15 +6327,15 @@
         <a:buClr>
           <a:srgbClr val="000000"/>
         </a:buClr>
-        <a:buFont typeface="Arial"/>
+        <a:buFont typeface="Arial" panose="020B0604020202020204"/>
         <a:defRPr sz="1400" b="0" i="0" u="none" strike="noStrike" cap="none">
           <a:solidFill>
             <a:srgbClr val="000000"/>
           </a:solidFill>
-          <a:latin typeface="Arial"/>
-          <a:ea typeface="Arial"/>
-          <a:cs typeface="Arial"/>
-          <a:sym typeface="Arial"/>
+          <a:latin typeface="Arial" panose="020B0604020202020204"/>
+          <a:ea typeface="Arial" panose="020B0604020202020204"/>
+          <a:cs typeface="Arial" panose="020B0604020202020204"/>
+          <a:sym typeface="Arial" panose="020B0604020202020204"/>
         </a:defRPr>
       </a:lvl7pPr>
       <a:lvl8pPr marR="0" lvl="7" algn="l" rtl="0">
@@ -6482,15 +6351,15 @@
         <a:buClr>
           <a:srgbClr val="000000"/>
         </a:buClr>
-        <a:buFont typeface="Arial"/>
+        <a:buFont typeface="Arial" panose="020B0604020202020204"/>
         <a:defRPr sz="1400" b="0" i="0" u="none" strike="noStrike" cap="none">
           <a:solidFill>
             <a:srgbClr val="000000"/>
           </a:solidFill>
-          <a:latin typeface="Arial"/>
-          <a:ea typeface="Arial"/>
-          <a:cs typeface="Arial"/>
-          <a:sym typeface="Arial"/>
+          <a:latin typeface="Arial" panose="020B0604020202020204"/>
+          <a:ea typeface="Arial" panose="020B0604020202020204"/>
+          <a:cs typeface="Arial" panose="020B0604020202020204"/>
+          <a:sym typeface="Arial" panose="020B0604020202020204"/>
         </a:defRPr>
       </a:lvl8pPr>
       <a:lvl9pPr marR="0" lvl="8" algn="l" rtl="0">
@@ -6506,15 +6375,15 @@
         <a:buClr>
           <a:srgbClr val="000000"/>
         </a:buClr>
-        <a:buFont typeface="Arial"/>
+        <a:buFont typeface="Arial" panose="020B0604020202020204"/>
         <a:defRPr sz="1400" b="0" i="0" u="none" strike="noStrike" cap="none">
           <a:solidFill>
             <a:srgbClr val="000000"/>
           </a:solidFill>
-          <a:latin typeface="Arial"/>
-          <a:ea typeface="Arial"/>
-          <a:cs typeface="Arial"/>
-          <a:sym typeface="Arial"/>
+          <a:latin typeface="Arial" panose="020B0604020202020204"/>
+          <a:ea typeface="Arial" panose="020B0604020202020204"/>
+          <a:cs typeface="Arial" panose="020B0604020202020204"/>
+          <a:sym typeface="Arial" panose="020B0604020202020204"/>
         </a:defRPr>
       </a:lvl9pPr>
     </p:otherStyle>
@@ -6578,8 +6447,8 @@
                 <a:solidFill>
                   <a:schemeClr val="tx1"/>
                 </a:solidFill>
-                <a:latin typeface="MS Gothic" pitchFamily="49" charset="-128"/>
-                <a:ea typeface="MS Gothic" pitchFamily="49" charset="-128"/>
+                <a:latin typeface="MS Gothic" panose="020B0609070205080204" pitchFamily="49" charset="-128"/>
+                <a:ea typeface="MS Gothic" panose="020B0609070205080204" pitchFamily="49" charset="-128"/>
               </a:rPr>
               <a:t>資策會─</a:t>
             </a:r>
@@ -6588,8 +6457,8 @@
                 <a:solidFill>
                   <a:schemeClr val="tx1"/>
                 </a:solidFill>
-                <a:latin typeface="MS Gothic" pitchFamily="49" charset="-128"/>
-                <a:ea typeface="MS Gothic" pitchFamily="49" charset="-128"/>
+                <a:latin typeface="MS Gothic" panose="020B0609070205080204" pitchFamily="49" charset="-128"/>
+                <a:ea typeface="MS Gothic" panose="020B0609070205080204" pitchFamily="49" charset="-128"/>
               </a:rPr>
               <a:t>AI</a:t>
             </a:r>
@@ -6598,8 +6467,8 @@
                 <a:solidFill>
                   <a:schemeClr val="tx1"/>
                 </a:solidFill>
-                <a:latin typeface="MS Gothic" pitchFamily="49" charset="-128"/>
-                <a:ea typeface="MS Gothic" pitchFamily="49" charset="-128"/>
+                <a:latin typeface="MS Gothic" panose="020B0609070205080204" pitchFamily="49" charset="-128"/>
+                <a:ea typeface="MS Gothic" panose="020B0609070205080204" pitchFamily="49" charset="-128"/>
               </a:rPr>
               <a:t>應用全端工程師養成班</a:t>
             </a:r>
@@ -6607,8 +6476,8 @@
               <a:solidFill>
                 <a:schemeClr val="tx1"/>
               </a:solidFill>
-              <a:latin typeface="MS Gothic" pitchFamily="49" charset="-128"/>
-              <a:ea typeface="MS Gothic" pitchFamily="49" charset="-128"/>
+              <a:latin typeface="MS Gothic" panose="020B0609070205080204" pitchFamily="49" charset="-128"/>
+              <a:ea typeface="MS Gothic" panose="020B0609070205080204" pitchFamily="49" charset="-128"/>
             </a:endParaRPr>
           </a:p>
         </p:txBody>
@@ -6616,9 +6485,7 @@
       <p:sp>
         <p:nvSpPr>
           <p:cNvPr id="4" name="Google Shape;68;p17"/>
-          <p:cNvSpPr txBox="1">
-            <a:spLocks/>
-          </p:cNvSpPr>
+          <p:cNvSpPr txBox="1"/>
           <p:nvPr/>
         </p:nvSpPr>
         <p:spPr>
@@ -6654,9 +6521,8 @@
                 <a:schemeClr val="lt1"/>
               </a:buClr>
               <a:buSzPts val="4800"/>
-              <a:buFont typeface="Permanent Marker"/>
-              <a:buNone/>
-              <a:tabLst/>
+              <a:buFont typeface="Permanent Marker" panose="02000000000000000000"/>
+              <a:buNone/>
               <a:defRPr/>
             </a:pPr>
             <a:r>
@@ -6670,10 +6536,10 @@
                 <a:effectLst/>
                 <a:uLnTx/>
                 <a:uFillTx/>
-                <a:latin typeface="MS Gothic" pitchFamily="49" charset="-128"/>
-                <a:ea typeface="MS Gothic" pitchFamily="49" charset="-128"/>
-                <a:cs typeface="Permanent Marker"/>
-                <a:sym typeface="Permanent Marker"/>
+                <a:latin typeface="MS Gothic" panose="020B0609070205080204" pitchFamily="49" charset="-128"/>
+                <a:ea typeface="MS Gothic" panose="020B0609070205080204" pitchFamily="49" charset="-128"/>
+                <a:cs typeface="Permanent Marker" panose="02000000000000000000"/>
+                <a:sym typeface="Permanent Marker" panose="02000000000000000000"/>
               </a:rPr>
               <a:t>前端專題：</a:t>
             </a:r>
@@ -6688,10 +6554,10 @@
                 <a:effectLst/>
                 <a:uLnTx/>
                 <a:uFillTx/>
-                <a:latin typeface="Source Sans Pro" charset="0"/>
-                <a:ea typeface="MS Gothic" pitchFamily="49" charset="-128"/>
-                <a:cs typeface="Permanent Marker"/>
-                <a:sym typeface="Permanent Marker"/>
+                <a:latin typeface="Source Sans Pro" panose="020B0503030403020204" charset="0"/>
+                <a:ea typeface="MS Gothic" panose="020B0609070205080204" pitchFamily="49" charset="-128"/>
+                <a:cs typeface="Permanent Marker" panose="02000000000000000000"/>
+                <a:sym typeface="Permanent Marker" panose="02000000000000000000"/>
               </a:rPr>
               <a:t>Stone Skimming</a:t>
             </a:r>
@@ -6705,10 +6571,10 @@
               <a:effectLst/>
               <a:uLnTx/>
               <a:uFillTx/>
-              <a:latin typeface="Source Sans Pro" charset="0"/>
-              <a:ea typeface="MS Gothic" pitchFamily="49" charset="-128"/>
-              <a:cs typeface="Permanent Marker"/>
-              <a:sym typeface="Permanent Marker"/>
+              <a:latin typeface="Source Sans Pro" panose="020B0503030403020204" charset="0"/>
+              <a:ea typeface="MS Gothic" panose="020B0609070205080204" pitchFamily="49" charset="-128"/>
+              <a:cs typeface="Permanent Marker" panose="02000000000000000000"/>
+              <a:sym typeface="Permanent Marker" panose="02000000000000000000"/>
             </a:endParaRPr>
           </a:p>
         </p:txBody>
@@ -6716,9 +6582,7 @@
       <p:sp>
         <p:nvSpPr>
           <p:cNvPr id="5" name="Google Shape;68;p17"/>
-          <p:cNvSpPr txBox="1">
-            <a:spLocks/>
-          </p:cNvSpPr>
+          <p:cNvSpPr txBox="1"/>
           <p:nvPr/>
         </p:nvSpPr>
         <p:spPr>
@@ -6754,9 +6618,8 @@
                 <a:schemeClr val="lt1"/>
               </a:buClr>
               <a:buSzPts val="4800"/>
-              <a:buFont typeface="Permanent Marker"/>
-              <a:buNone/>
-              <a:tabLst/>
+              <a:buFont typeface="Permanent Marker" panose="02000000000000000000"/>
+              <a:buNone/>
               <a:defRPr/>
             </a:pPr>
             <a:r>
@@ -6770,10 +6633,10 @@
                 <a:effectLst/>
                 <a:uLnTx/>
                 <a:uFillTx/>
-                <a:latin typeface="MS Gothic" pitchFamily="49" charset="-128"/>
-                <a:ea typeface="MS Gothic" pitchFamily="49" charset="-128"/>
-                <a:cs typeface="Permanent Marker"/>
-                <a:sym typeface="Permanent Marker"/>
+                <a:latin typeface="MS Gothic" panose="020B0609070205080204" pitchFamily="49" charset="-128"/>
+                <a:ea typeface="MS Gothic" panose="020B0609070205080204" pitchFamily="49" charset="-128"/>
+                <a:cs typeface="Permanent Marker" panose="02000000000000000000"/>
+                <a:sym typeface="Permanent Marker" panose="02000000000000000000"/>
               </a:rPr>
               <a:t>指導老師：許雅婷、黃宗民</a:t>
             </a:r>
@@ -6787,10 +6650,10 @@
               <a:effectLst/>
               <a:uLnTx/>
               <a:uFillTx/>
-              <a:latin typeface="MS Gothic" pitchFamily="49" charset="-128"/>
-              <a:ea typeface="MS Gothic" pitchFamily="49" charset="-128"/>
-              <a:cs typeface="Permanent Marker"/>
-              <a:sym typeface="Permanent Marker"/>
+              <a:latin typeface="MS Gothic" panose="020B0609070205080204" pitchFamily="49" charset="-128"/>
+              <a:ea typeface="MS Gothic" panose="020B0609070205080204" pitchFamily="49" charset="-128"/>
+              <a:cs typeface="Permanent Marker" panose="02000000000000000000"/>
+              <a:sym typeface="Permanent Marker" panose="02000000000000000000"/>
             </a:endParaRPr>
           </a:p>
           <a:p>
@@ -6808,9 +6671,8 @@
                 <a:schemeClr val="lt1"/>
               </a:buClr>
               <a:buSzPts val="4800"/>
-              <a:buFont typeface="Permanent Marker"/>
-              <a:buNone/>
-              <a:tabLst/>
+              <a:buFont typeface="Permanent Marker" panose="02000000000000000000"/>
+              <a:buNone/>
               <a:defRPr/>
             </a:pPr>
             <a:endParaRPr kumimoji="0" lang="en-US" altLang="zh-TW" sz="1800" b="0" i="0" u="none" strike="noStrike" kern="0" cap="none" spc="0" normalizeH="0" baseline="0" noProof="0" dirty="0" smtClean="0">
@@ -6823,10 +6685,10 @@
               <a:effectLst/>
               <a:uLnTx/>
               <a:uFillTx/>
-              <a:latin typeface="MS Gothic" pitchFamily="49" charset="-128"/>
-              <a:ea typeface="MS Gothic" pitchFamily="49" charset="-128"/>
-              <a:cs typeface="Permanent Marker"/>
-              <a:sym typeface="Permanent Marker"/>
+              <a:latin typeface="MS Gothic" panose="020B0609070205080204" pitchFamily="49" charset="-128"/>
+              <a:ea typeface="MS Gothic" panose="020B0609070205080204" pitchFamily="49" charset="-128"/>
+              <a:cs typeface="Permanent Marker" panose="02000000000000000000"/>
+              <a:sym typeface="Permanent Marker" panose="02000000000000000000"/>
             </a:endParaRPr>
           </a:p>
           <a:p>
@@ -6844,9 +6706,8 @@
                 <a:schemeClr val="lt1"/>
               </a:buClr>
               <a:buSzPts val="4800"/>
-              <a:buFont typeface="Permanent Marker"/>
-              <a:buNone/>
-              <a:tabLst/>
+              <a:buFont typeface="Permanent Marker" panose="02000000000000000000"/>
+              <a:buNone/>
               <a:defRPr/>
             </a:pPr>
             <a:r>
@@ -6860,10 +6721,10 @@
                 <a:effectLst/>
                 <a:uLnTx/>
                 <a:uFillTx/>
-                <a:latin typeface="MS Gothic" pitchFamily="49" charset="-128"/>
-                <a:ea typeface="MS Gothic" pitchFamily="49" charset="-128"/>
-                <a:cs typeface="Permanent Marker"/>
-                <a:sym typeface="Permanent Marker"/>
+                <a:latin typeface="MS Gothic" panose="020B0609070205080204" pitchFamily="49" charset="-128"/>
+                <a:ea typeface="MS Gothic" panose="020B0609070205080204" pitchFamily="49" charset="-128"/>
+                <a:cs typeface="Permanent Marker" panose="02000000000000000000"/>
+                <a:sym typeface="Permanent Marker" panose="02000000000000000000"/>
               </a:rPr>
               <a:t>學員：莊傳偉</a:t>
             </a:r>
@@ -6877,10 +6738,10 @@
               <a:effectLst/>
               <a:uLnTx/>
               <a:uFillTx/>
-              <a:latin typeface="MS Gothic" pitchFamily="49" charset="-128"/>
-              <a:ea typeface="MS Gothic" pitchFamily="49" charset="-128"/>
-              <a:cs typeface="Permanent Marker"/>
-              <a:sym typeface="Permanent Marker"/>
+              <a:latin typeface="MS Gothic" panose="020B0609070205080204" pitchFamily="49" charset="-128"/>
+              <a:ea typeface="MS Gothic" panose="020B0609070205080204" pitchFamily="49" charset="-128"/>
+              <a:cs typeface="Permanent Marker" panose="02000000000000000000"/>
+              <a:sym typeface="Permanent Marker" panose="02000000000000000000"/>
             </a:endParaRPr>
           </a:p>
         </p:txBody>
@@ -6890,6 +6751,9 @@
   <p:clrMapOvr>
     <a:masterClrMapping/>
   </p:clrMapOvr>
+  <p:transition>
+    <p:fade thruBlk="1"/>
+  </p:transition>
   <p:timing>
     <p:tnLst>
       <p:par>
@@ -6953,14 +6817,14 @@
             </a:pPr>
             <a:r>
               <a:rPr lang="zh-TW" altLang="en-US" sz="2800" dirty="0" smtClean="0">
-                <a:latin typeface="MS Gothic" pitchFamily="49" charset="-128"/>
-                <a:ea typeface="MS Gothic" pitchFamily="49" charset="-128"/>
+                <a:latin typeface="MS Gothic" panose="020B0609070205080204" pitchFamily="49" charset="-128"/>
+                <a:ea typeface="MS Gothic" panose="020B0609070205080204" pitchFamily="49" charset="-128"/>
               </a:rPr>
               <a:t>製作動機</a:t>
             </a:r>
             <a:endParaRPr sz="2800" dirty="0">
-              <a:latin typeface="MS Gothic" pitchFamily="49" charset="-128"/>
-              <a:ea typeface="MS Gothic" pitchFamily="49" charset="-128"/>
+              <a:latin typeface="MS Gothic" panose="020B0609070205080204" pitchFamily="49" charset="-128"/>
+              <a:ea typeface="MS Gothic" panose="020B0609070205080204" pitchFamily="49" charset="-128"/>
             </a:endParaRPr>
           </a:p>
         </p:txBody>
@@ -7000,19 +6864,9 @@
               <a:buNone/>
             </a:pPr>
             <a:fld id="{00000000-1234-1234-1234-123412341234}" type="slidenum">
-              <a:rPr lang="en"/>
-              <a:pPr marL="0" lvl="0" indent="0" algn="ctr" rtl="0">
-                <a:spcBef>
-                  <a:spcPts val="0"/>
-                </a:spcBef>
-                <a:spcAft>
-                  <a:spcPts val="0"/>
-                </a:spcAft>
-                <a:buNone/>
-              </a:pPr>
-              <a:t>2</a:t>
+              <a:rPr lang="en-GB"/>
             </a:fld>
-            <a:endParaRPr/>
+            <a:endParaRPr lang="en-GB"/>
           </a:p>
         </p:txBody>
       </p:sp>
@@ -7049,28 +6903,28 @@
             </a:pPr>
             <a:r>
               <a:rPr lang="zh-TW" altLang="en-US" sz="2400" dirty="0" smtClean="0">
-                <a:latin typeface="MS Gothic" pitchFamily="49" charset="-128"/>
-                <a:ea typeface="MS Gothic" pitchFamily="49" charset="-128"/>
+                <a:latin typeface="MS Gothic" panose="020B0609070205080204" pitchFamily="49" charset="-128"/>
+                <a:ea typeface="MS Gothic" panose="020B0609070205080204" pitchFamily="49" charset="-128"/>
               </a:rPr>
               <a:t>三週的訓練 → 檢核是否能</a:t>
             </a:r>
             <a:r>
               <a:rPr lang="zh-TW" altLang="en-US" sz="2400" dirty="0" smtClean="0">
-                <a:latin typeface="MS Gothic" pitchFamily="49" charset="-128"/>
-                <a:ea typeface="MS Gothic" pitchFamily="49" charset="-128"/>
+                <a:latin typeface="MS Gothic" panose="020B0609070205080204" pitchFamily="49" charset="-128"/>
+                <a:ea typeface="MS Gothic" panose="020B0609070205080204" pitchFamily="49" charset="-128"/>
               </a:rPr>
               <a:t>應用具備</a:t>
             </a:r>
             <a:r>
               <a:rPr lang="zh-TW" altLang="en-US" sz="2400" dirty="0" smtClean="0">
-                <a:latin typeface="MS Gothic" pitchFamily="49" charset="-128"/>
-                <a:ea typeface="MS Gothic" pitchFamily="49" charset="-128"/>
+                <a:latin typeface="MS Gothic" panose="020B0609070205080204" pitchFamily="49" charset="-128"/>
+                <a:ea typeface="MS Gothic" panose="020B0609070205080204" pitchFamily="49" charset="-128"/>
               </a:rPr>
               <a:t>的技能</a:t>
             </a:r>
             <a:endParaRPr lang="en-US" altLang="zh-TW" sz="2400" dirty="0" smtClean="0">
-              <a:latin typeface="MS Gothic" pitchFamily="49" charset="-128"/>
-              <a:ea typeface="MS Gothic" pitchFamily="49" charset="-128"/>
+              <a:latin typeface="MS Gothic" panose="020B0609070205080204" pitchFamily="49" charset="-128"/>
+              <a:ea typeface="MS Gothic" panose="020B0609070205080204" pitchFamily="49" charset="-128"/>
             </a:endParaRPr>
           </a:p>
           <a:p>
@@ -7083,70 +6937,70 @@
             </a:pPr>
             <a:r>
               <a:rPr lang="en-US" altLang="zh-TW" sz="2400" dirty="0" smtClean="0">
-                <a:latin typeface="MS Gothic" pitchFamily="49" charset="-128"/>
-                <a:ea typeface="MS Gothic" pitchFamily="49" charset="-128"/>
+                <a:latin typeface="MS Gothic" panose="020B0609070205080204" pitchFamily="49" charset="-128"/>
+                <a:ea typeface="MS Gothic" panose="020B0609070205080204" pitchFamily="49" charset="-128"/>
               </a:rPr>
               <a:t>	(</a:t>
             </a:r>
             <a:r>
               <a:rPr lang="en-US" altLang="zh-TW" sz="2400" dirty="0" smtClean="0">
-                <a:latin typeface="Source Sans Pro" charset="0"/>
-                <a:ea typeface="MS Gothic" pitchFamily="49" charset="-128"/>
+                <a:latin typeface="Source Sans Pro" panose="020B0503030403020204" charset="0"/>
+                <a:ea typeface="MS Gothic" panose="020B0609070205080204" pitchFamily="49" charset="-128"/>
               </a:rPr>
               <a:t>HTML5</a:t>
             </a:r>
             <a:r>
               <a:rPr lang="zh-TW" altLang="en-US" sz="2400" dirty="0" smtClean="0">
-                <a:latin typeface="Source Sans Pro" charset="0"/>
-                <a:ea typeface="MS Gothic" pitchFamily="49" charset="-128"/>
+                <a:latin typeface="Source Sans Pro" panose="020B0503030403020204" charset="0"/>
+                <a:ea typeface="MS Gothic" panose="020B0609070205080204" pitchFamily="49" charset="-128"/>
               </a:rPr>
               <a:t>、</a:t>
             </a:r>
             <a:r>
               <a:rPr lang="en-US" altLang="zh-TW" sz="2400" dirty="0" smtClean="0">
-                <a:latin typeface="Source Sans Pro" charset="0"/>
-                <a:ea typeface="MS Gothic" pitchFamily="49" charset="-128"/>
+                <a:latin typeface="Source Sans Pro" panose="020B0503030403020204" charset="0"/>
+                <a:ea typeface="MS Gothic" panose="020B0609070205080204" pitchFamily="49" charset="-128"/>
               </a:rPr>
               <a:t>JavaScript</a:t>
             </a:r>
             <a:r>
               <a:rPr lang="zh-TW" altLang="en-US" sz="2400" dirty="0" smtClean="0">
-                <a:latin typeface="Source Sans Pro" charset="0"/>
-                <a:ea typeface="MS Gothic" pitchFamily="49" charset="-128"/>
+                <a:latin typeface="Source Sans Pro" panose="020B0503030403020204" charset="0"/>
+                <a:ea typeface="MS Gothic" panose="020B0609070205080204" pitchFamily="49" charset="-128"/>
               </a:rPr>
               <a:t>、</a:t>
             </a:r>
             <a:r>
               <a:rPr lang="en-US" altLang="zh-TW" sz="2400" dirty="0" smtClean="0">
-                <a:latin typeface="Source Sans Pro" charset="0"/>
-                <a:ea typeface="MS Gothic" pitchFamily="49" charset="-128"/>
+                <a:latin typeface="Source Sans Pro" panose="020B0503030403020204" charset="0"/>
+                <a:ea typeface="MS Gothic" panose="020B0609070205080204" pitchFamily="49" charset="-128"/>
               </a:rPr>
               <a:t>CSS3</a:t>
             </a:r>
             <a:r>
               <a:rPr lang="zh-TW" altLang="en-US" sz="2400" dirty="0" smtClean="0">
-                <a:latin typeface="Source Sans Pro" charset="0"/>
-                <a:ea typeface="MS Gothic" pitchFamily="49" charset="-128"/>
+                <a:latin typeface="Source Sans Pro" panose="020B0503030403020204" charset="0"/>
+                <a:ea typeface="MS Gothic" panose="020B0609070205080204" pitchFamily="49" charset="-128"/>
               </a:rPr>
               <a:t>、</a:t>
             </a:r>
             <a:r>
               <a:rPr lang="en-US" altLang="zh-TW" sz="2400" dirty="0" smtClean="0">
-                <a:latin typeface="Source Sans Pro" charset="0"/>
-                <a:ea typeface="MS Gothic" pitchFamily="49" charset="-128"/>
+                <a:latin typeface="Source Sans Pro" panose="020B0503030403020204" charset="0"/>
+                <a:ea typeface="MS Gothic" panose="020B0609070205080204" pitchFamily="49" charset="-128"/>
               </a:rPr>
               <a:t>Canvas…</a:t>
             </a:r>
             <a:r>
               <a:rPr lang="en-US" altLang="zh-TW" sz="2400" dirty="0" smtClean="0">
-                <a:latin typeface="MS Gothic" pitchFamily="49" charset="-128"/>
-                <a:ea typeface="MS Gothic" pitchFamily="49" charset="-128"/>
+                <a:latin typeface="MS Gothic" panose="020B0609070205080204" pitchFamily="49" charset="-128"/>
+                <a:ea typeface="MS Gothic" panose="020B0609070205080204" pitchFamily="49" charset="-128"/>
               </a:rPr>
               <a:t>) </a:t>
             </a:r>
             <a:endParaRPr lang="en-US" altLang="zh-TW" sz="2400" dirty="0" smtClean="0">
-              <a:latin typeface="MS Gothic" pitchFamily="49" charset="-128"/>
-              <a:ea typeface="MS Gothic" pitchFamily="49" charset="-128"/>
+              <a:latin typeface="MS Gothic" panose="020B0609070205080204" pitchFamily="49" charset="-128"/>
+              <a:ea typeface="MS Gothic" panose="020B0609070205080204" pitchFamily="49" charset="-128"/>
             </a:endParaRPr>
           </a:p>
           <a:p>
@@ -7158,8 +7012,8 @@
               <a:buNone/>
             </a:pPr>
             <a:endParaRPr lang="en-US" altLang="zh-TW" sz="2400" dirty="0" smtClean="0">
-              <a:latin typeface="MS Gothic" pitchFamily="49" charset="-128"/>
-              <a:ea typeface="MS Gothic" pitchFamily="49" charset="-128"/>
+              <a:latin typeface="MS Gothic" panose="020B0609070205080204" pitchFamily="49" charset="-128"/>
+              <a:ea typeface="MS Gothic" panose="020B0609070205080204" pitchFamily="49" charset="-128"/>
             </a:endParaRPr>
           </a:p>
           <a:p>
@@ -7174,8 +7028,8 @@
                 <a:solidFill>
                   <a:schemeClr val="tx1"/>
                 </a:solidFill>
-                <a:latin typeface="MS Gothic" pitchFamily="49" charset="-128"/>
-                <a:ea typeface="MS Gothic" pitchFamily="49" charset="-128"/>
+                <a:latin typeface="MS Gothic" panose="020B0609070205080204" pitchFamily="49" charset="-128"/>
+                <a:ea typeface="MS Gothic" panose="020B0609070205080204" pitchFamily="49" charset="-128"/>
               </a:rPr>
               <a:t>喜好遊戲。想試著將腦中所想呈現於螢幕上</a:t>
             </a:r>
@@ -7183,8 +7037,8 @@
               <a:solidFill>
                 <a:schemeClr val="tx1"/>
               </a:solidFill>
-              <a:latin typeface="MS Gothic" pitchFamily="49" charset="-128"/>
-              <a:ea typeface="MS Gothic" pitchFamily="49" charset="-128"/>
+              <a:latin typeface="MS Gothic" panose="020B0609070205080204" pitchFamily="49" charset="-128"/>
+              <a:ea typeface="MS Gothic" panose="020B0609070205080204" pitchFamily="49" charset="-128"/>
             </a:endParaRPr>
           </a:p>
           <a:p>
@@ -7198,8 +7052,8 @@
               <a:solidFill>
                 <a:schemeClr val="tx1"/>
               </a:solidFill>
-              <a:latin typeface="MS Gothic" pitchFamily="49" charset="-128"/>
-              <a:ea typeface="MS Gothic" pitchFamily="49" charset="-128"/>
+              <a:latin typeface="MS Gothic" panose="020B0609070205080204" pitchFamily="49" charset="-128"/>
+              <a:ea typeface="MS Gothic" panose="020B0609070205080204" pitchFamily="49" charset="-128"/>
             </a:endParaRPr>
           </a:p>
           <a:p>
@@ -7214,8 +7068,8 @@
                 <a:solidFill>
                   <a:schemeClr val="tx1"/>
                 </a:solidFill>
-                <a:latin typeface="MS Gothic" pitchFamily="49" charset="-128"/>
-                <a:ea typeface="MS Gothic" pitchFamily="49" charset="-128"/>
+                <a:latin typeface="MS Gothic" panose="020B0609070205080204" pitchFamily="49" charset="-128"/>
+                <a:ea typeface="MS Gothic" panose="020B0609070205080204" pitchFamily="49" charset="-128"/>
               </a:rPr>
               <a:t>不會打水漂也想要打水漂</a:t>
             </a:r>
@@ -7223,8 +7077,8 @@
               <a:solidFill>
                 <a:schemeClr val="tx1"/>
               </a:solidFill>
-              <a:latin typeface="MS Gothic" pitchFamily="49" charset="-128"/>
-              <a:ea typeface="MS Gothic" pitchFamily="49" charset="-128"/>
+              <a:latin typeface="MS Gothic" panose="020B0609070205080204" pitchFamily="49" charset="-128"/>
+              <a:ea typeface="MS Gothic" panose="020B0609070205080204" pitchFamily="49" charset="-128"/>
             </a:endParaRPr>
           </a:p>
         </p:txBody>
@@ -7234,6 +7088,9 @@
   <p:clrMapOvr>
     <a:masterClrMapping/>
   </p:clrMapOvr>
+  <p:transition>
+    <p:fade thruBlk="1"/>
+  </p:transition>
 </p:sld>
 </file>
 
@@ -7285,14 +7142,14 @@
           <a:p>
             <a:r>
               <a:rPr lang="zh-TW" altLang="en-US" sz="2800" dirty="0" smtClean="0">
-                <a:latin typeface="MS Gothic" pitchFamily="49" charset="-128"/>
-                <a:ea typeface="MS Gothic" pitchFamily="49" charset="-128"/>
+                <a:latin typeface="MS Gothic" panose="020B0609070205080204" pitchFamily="49" charset="-128"/>
+                <a:ea typeface="MS Gothic" panose="020B0609070205080204" pitchFamily="49" charset="-128"/>
               </a:rPr>
               <a:t>遊戲簡介</a:t>
             </a:r>
             <a:endParaRPr lang="zh-TW" altLang="en-US" sz="2800" dirty="0">
-              <a:latin typeface="MS Gothic" pitchFamily="49" charset="-128"/>
-              <a:ea typeface="MS Gothic" pitchFamily="49" charset="-128"/>
+              <a:latin typeface="MS Gothic" panose="020B0609070205080204" pitchFamily="49" charset="-128"/>
+              <a:ea typeface="MS Gothic" panose="020B0609070205080204" pitchFamily="49" charset="-128"/>
             </a:endParaRPr>
           </a:p>
         </p:txBody>
@@ -7332,40 +7189,31 @@
               <a:buNone/>
             </a:pPr>
             <a:fld id="{00000000-1234-1234-1234-123412341234}" type="slidenum">
-              <a:rPr lang="en"/>
-              <a:pPr marL="0" lvl="0" indent="0" algn="ctr" rtl="0">
-                <a:spcBef>
-                  <a:spcPts val="0"/>
-                </a:spcBef>
-                <a:spcAft>
-                  <a:spcPts val="0"/>
-                </a:spcAft>
-                <a:buNone/>
-              </a:pPr>
-              <a:t>3</a:t>
+              <a:rPr lang="en-GB"/>
             </a:fld>
-            <a:endParaRPr/>
+            <a:endParaRPr lang="en-GB"/>
           </a:p>
         </p:txBody>
       </p:sp>
       <p:pic>
         <p:nvPicPr>
-          <p:cNvPr id="10" name="圖片 9" descr="遊戲開始.png"/>
+          <p:cNvPr id="10" name="圖片 9" descr="D:\Labhtml\Project\img\開始量表.png開始量表"/>
           <p:cNvPicPr>
             <a:picLocks noChangeAspect="1"/>
           </p:cNvPicPr>
           <p:nvPr/>
         </p:nvPicPr>
         <p:blipFill>
-          <a:blip r:embed="rId3"/>
+          <a:blip r:embed="rId1"/>
+          <a:srcRect/>
           <a:stretch>
             <a:fillRect/>
           </a:stretch>
         </p:blipFill>
         <p:spPr>
           <a:xfrm>
-            <a:off x="179512" y="987574"/>
-            <a:ext cx="3576236" cy="2809900"/>
+            <a:off x="179512" y="1015527"/>
+            <a:ext cx="3576236" cy="2753995"/>
           </a:xfrm>
           <a:prstGeom prst="rect">
             <a:avLst/>
@@ -7382,7 +7230,7 @@
         </p:nvCxnSpPr>
         <p:spPr>
           <a:xfrm>
-            <a:off x="3779912" y="2355726"/>
+            <a:off x="3784992" y="2356361"/>
             <a:ext cx="720080" cy="1008073"/>
           </a:xfrm>
           <a:prstGeom prst="straightConnector1">
@@ -7424,8 +7272,8 @@
         </p:nvCxnSpPr>
         <p:spPr>
           <a:xfrm flipV="1">
-            <a:off x="6226820" y="2389473"/>
-            <a:ext cx="937468" cy="974326"/>
+            <a:off x="6221740" y="2389709"/>
+            <a:ext cx="942340" cy="974725"/>
           </a:xfrm>
           <a:prstGeom prst="straightConnector1">
             <a:avLst/>
@@ -7479,21 +7327,21 @@
           <a:p>
             <a:r>
               <a:rPr lang="en-US" altLang="zh-TW" sz="1800" dirty="0" smtClean="0">
-                <a:latin typeface="MS Gothic" pitchFamily="49" charset="-128"/>
-                <a:ea typeface="MS Gothic" pitchFamily="49" charset="-128"/>
+                <a:latin typeface="MS Gothic" panose="020B0609070205080204" pitchFamily="49" charset="-128"/>
+                <a:ea typeface="MS Gothic" panose="020B0609070205080204" pitchFamily="49" charset="-128"/>
               </a:rPr>
               <a:t>1.</a:t>
             </a:r>
             <a:r>
               <a:rPr lang="zh-TW" altLang="en-US" sz="1800" dirty="0" smtClean="0">
-                <a:latin typeface="MS Gothic" pitchFamily="49" charset="-128"/>
-                <a:ea typeface="MS Gothic" pitchFamily="49" charset="-128"/>
+                <a:latin typeface="MS Gothic" panose="020B0609070205080204" pitchFamily="49" charset="-128"/>
+                <a:ea typeface="MS Gothic" panose="020B0609070205080204" pitchFamily="49" charset="-128"/>
               </a:rPr>
               <a:t>開始可決定石頭初速</a:t>
             </a:r>
             <a:endParaRPr lang="zh-TW" altLang="en-US" sz="1800" dirty="0">
-              <a:latin typeface="MS Gothic" pitchFamily="49" charset="-128"/>
-              <a:ea typeface="MS Gothic" pitchFamily="49" charset="-128"/>
+              <a:latin typeface="MS Gothic" panose="020B0609070205080204" pitchFamily="49" charset="-128"/>
+              <a:ea typeface="MS Gothic" panose="020B0609070205080204" pitchFamily="49" charset="-128"/>
             </a:endParaRPr>
           </a:p>
         </p:txBody>
@@ -7522,21 +7370,21 @@
           <a:p>
             <a:r>
               <a:rPr lang="en-US" altLang="zh-TW" sz="1800" dirty="0" smtClean="0">
-                <a:latin typeface="MS Gothic" pitchFamily="49" charset="-128"/>
-                <a:ea typeface="MS Gothic" pitchFamily="49" charset="-128"/>
+                <a:latin typeface="MS Gothic" panose="020B0609070205080204" pitchFamily="49" charset="-128"/>
+                <a:ea typeface="MS Gothic" panose="020B0609070205080204" pitchFamily="49" charset="-128"/>
               </a:rPr>
               <a:t>2.</a:t>
             </a:r>
             <a:r>
               <a:rPr lang="zh-TW" altLang="en-US" sz="1800" dirty="0" smtClean="0">
-                <a:latin typeface="MS Gothic" pitchFamily="49" charset="-128"/>
-                <a:ea typeface="MS Gothic" pitchFamily="49" charset="-128"/>
+                <a:latin typeface="MS Gothic" panose="020B0609070205080204" pitchFamily="49" charset="-128"/>
+                <a:ea typeface="MS Gothic" panose="020B0609070205080204" pitchFamily="49" charset="-128"/>
               </a:rPr>
               <a:t>使用者可於過程參與彈跳</a:t>
             </a:r>
             <a:endParaRPr lang="zh-TW" altLang="en-US" sz="1800" dirty="0">
-              <a:latin typeface="MS Gothic" pitchFamily="49" charset="-128"/>
-              <a:ea typeface="MS Gothic" pitchFamily="49" charset="-128"/>
+              <a:latin typeface="MS Gothic" panose="020B0609070205080204" pitchFamily="49" charset="-128"/>
+              <a:ea typeface="MS Gothic" panose="020B0609070205080204" pitchFamily="49" charset="-128"/>
             </a:endParaRPr>
           </a:p>
         </p:txBody>
@@ -7565,43 +7413,44 @@
           <a:p>
             <a:r>
               <a:rPr lang="en-US" altLang="zh-TW" sz="1800" dirty="0" smtClean="0">
-                <a:latin typeface="MS Gothic" pitchFamily="49" charset="-128"/>
-                <a:ea typeface="MS Gothic" pitchFamily="49" charset="-128"/>
+                <a:latin typeface="MS Gothic" panose="020B0609070205080204" pitchFamily="49" charset="-128"/>
+                <a:ea typeface="MS Gothic" panose="020B0609070205080204" pitchFamily="49" charset="-128"/>
               </a:rPr>
               <a:t>3.</a:t>
             </a:r>
             <a:r>
               <a:rPr lang="zh-TW" altLang="en-US" sz="1800" dirty="0" smtClean="0">
-                <a:latin typeface="MS Gothic" pitchFamily="49" charset="-128"/>
-                <a:ea typeface="MS Gothic" pitchFamily="49" charset="-128"/>
+                <a:latin typeface="MS Gothic" panose="020B0609070205080204" pitchFamily="49" charset="-128"/>
+                <a:ea typeface="MS Gothic" panose="020B0609070205080204" pitchFamily="49" charset="-128"/>
               </a:rPr>
               <a:t>結算畫面</a:t>
             </a:r>
             <a:endParaRPr lang="zh-TW" altLang="en-US" sz="1800" dirty="0">
-              <a:latin typeface="MS Gothic" pitchFamily="49" charset="-128"/>
-              <a:ea typeface="MS Gothic" pitchFamily="49" charset="-128"/>
+              <a:latin typeface="MS Gothic" panose="020B0609070205080204" pitchFamily="49" charset="-128"/>
+              <a:ea typeface="MS Gothic" panose="020B0609070205080204" pitchFamily="49" charset="-128"/>
             </a:endParaRPr>
           </a:p>
         </p:txBody>
       </p:sp>
       <p:pic>
         <p:nvPicPr>
-          <p:cNvPr id="13" name="圖片 12" descr="波紋.png"/>
+          <p:cNvPr id="13" name="圖片 12" descr="D:\Labhtml\Project\img\過程量表.png過程量表"/>
           <p:cNvPicPr>
             <a:picLocks noChangeAspect="1"/>
           </p:cNvPicPr>
           <p:nvPr/>
         </p:nvPicPr>
         <p:blipFill>
-          <a:blip r:embed="rId4"/>
+          <a:blip r:embed="rId2"/>
+          <a:srcRect/>
           <a:stretch>
             <a:fillRect/>
           </a:stretch>
         </p:blipFill>
         <p:spPr>
           <a:xfrm>
-            <a:off x="4499992" y="1851670"/>
-            <a:ext cx="1726828" cy="3024258"/>
+            <a:off x="4505203" y="1851670"/>
+            <a:ext cx="1716405" cy="3024258"/>
           </a:xfrm>
           <a:prstGeom prst="rect">
             <a:avLst/>
@@ -7617,7 +7466,7 @@
           <p:nvPr/>
         </p:nvPicPr>
         <p:blipFill>
-          <a:blip r:embed="rId5"/>
+          <a:blip r:embed="rId3"/>
           <a:srcRect/>
           <a:stretch>
             <a:fillRect/>
@@ -7638,6 +7487,9 @@
   <p:clrMapOvr>
     <a:masterClrMapping/>
   </p:clrMapOvr>
+  <p:transition>
+    <p:fade thruBlk="1"/>
+  </p:transition>
 </p:sld>
 </file>
 
@@ -7694,14 +7546,14 @@
             </a:pPr>
             <a:r>
               <a:rPr lang="zh-TW" altLang="en-US" sz="2800" dirty="0" smtClean="0">
-                <a:latin typeface="MS Gothic" pitchFamily="49" charset="-128"/>
-                <a:ea typeface="MS Gothic" pitchFamily="49" charset="-128"/>
+                <a:latin typeface="MS Gothic" panose="020B0609070205080204" pitchFamily="49" charset="-128"/>
+                <a:ea typeface="MS Gothic" panose="020B0609070205080204" pitchFamily="49" charset="-128"/>
               </a:rPr>
               <a:t>過程難題</a:t>
             </a:r>
             <a:endParaRPr sz="2800" dirty="0">
-              <a:latin typeface="MS Gothic" pitchFamily="49" charset="-128"/>
-              <a:ea typeface="MS Gothic" pitchFamily="49" charset="-128"/>
+              <a:latin typeface="MS Gothic" panose="020B0609070205080204" pitchFamily="49" charset="-128"/>
+              <a:ea typeface="MS Gothic" panose="020B0609070205080204" pitchFamily="49" charset="-128"/>
             </a:endParaRPr>
           </a:p>
         </p:txBody>
@@ -7741,19 +7593,9 @@
               <a:buNone/>
             </a:pPr>
             <a:fld id="{00000000-1234-1234-1234-123412341234}" type="slidenum">
-              <a:rPr lang="en"/>
-              <a:pPr marL="0" lvl="0" indent="0" algn="ctr" rtl="0">
-                <a:spcBef>
-                  <a:spcPts val="0"/>
-                </a:spcBef>
-                <a:spcAft>
-                  <a:spcPts val="0"/>
-                </a:spcAft>
-                <a:buNone/>
-              </a:pPr>
-              <a:t>4</a:t>
+              <a:rPr lang="en-GB"/>
             </a:fld>
-            <a:endParaRPr/>
+            <a:endParaRPr lang="en-GB"/>
           </a:p>
         </p:txBody>
       </p:sp>
@@ -7809,10 +7651,10 @@
                 <a:solidFill>
                   <a:schemeClr val="tx1"/>
                 </a:solidFill>
-                <a:latin typeface="MS Gothic" pitchFamily="49" charset="-128"/>
-                <a:ea typeface="MS Gothic" pitchFamily="49" charset="-128"/>
-                <a:cs typeface="Source Sans Pro"/>
-                <a:sym typeface="Source Sans Pro"/>
+                <a:latin typeface="MS Gothic" panose="020B0609070205080204" pitchFamily="49" charset="-128"/>
+                <a:ea typeface="MS Gothic" panose="020B0609070205080204" pitchFamily="49" charset="-128"/>
+                <a:cs typeface="Source Sans Pro" panose="020B0503030403020204"/>
+                <a:sym typeface="Source Sans Pro" panose="020B0503030403020204"/>
               </a:rPr>
               <a:t>初想與實現</a:t>
             </a:r>
@@ -7820,10 +7662,10 @@
               <a:solidFill>
                 <a:schemeClr val="tx1"/>
               </a:solidFill>
-              <a:latin typeface="MS Gothic" pitchFamily="49" charset="-128"/>
-              <a:ea typeface="MS Gothic" pitchFamily="49" charset="-128"/>
-              <a:cs typeface="Source Sans Pro"/>
-              <a:sym typeface="Source Sans Pro"/>
+              <a:latin typeface="MS Gothic" panose="020B0609070205080204" pitchFamily="49" charset="-128"/>
+              <a:ea typeface="MS Gothic" panose="020B0609070205080204" pitchFamily="49" charset="-128"/>
+              <a:cs typeface="Source Sans Pro" panose="020B0503030403020204"/>
+              <a:sym typeface="Source Sans Pro" panose="020B0503030403020204"/>
             </a:endParaRPr>
           </a:p>
         </p:txBody>
@@ -7880,10 +7722,10 @@
                 <a:solidFill>
                   <a:schemeClr val="tx1"/>
                 </a:solidFill>
-                <a:latin typeface="MS Gothic" pitchFamily="49" charset="-128"/>
-                <a:ea typeface="MS Gothic" pitchFamily="49" charset="-128"/>
-                <a:cs typeface="Source Sans Pro"/>
-                <a:sym typeface="Source Sans Pro"/>
+                <a:latin typeface="MS Gothic" panose="020B0609070205080204" pitchFamily="49" charset="-128"/>
+                <a:ea typeface="MS Gothic" panose="020B0609070205080204" pitchFamily="49" charset="-128"/>
+                <a:cs typeface="Source Sans Pro" panose="020B0503030403020204"/>
+                <a:sym typeface="Source Sans Pro" panose="020B0503030403020204"/>
               </a:rPr>
               <a:t>引用與應用</a:t>
             </a:r>
@@ -7891,10 +7733,10 @@
               <a:solidFill>
                 <a:schemeClr val="tx1"/>
               </a:solidFill>
-              <a:latin typeface="MS Gothic" pitchFamily="49" charset="-128"/>
-              <a:ea typeface="MS Gothic" pitchFamily="49" charset="-128"/>
-              <a:cs typeface="Source Sans Pro"/>
-              <a:sym typeface="Source Sans Pro"/>
+              <a:latin typeface="MS Gothic" panose="020B0609070205080204" pitchFamily="49" charset="-128"/>
+              <a:ea typeface="MS Gothic" panose="020B0609070205080204" pitchFamily="49" charset="-128"/>
+              <a:cs typeface="Source Sans Pro" panose="020B0503030403020204"/>
+              <a:sym typeface="Source Sans Pro" panose="020B0503030403020204"/>
             </a:endParaRPr>
           </a:p>
         </p:txBody>
@@ -7951,10 +7793,10 @@
                 <a:solidFill>
                   <a:schemeClr val="tx1"/>
                 </a:solidFill>
-                <a:latin typeface="MS Gothic" pitchFamily="49" charset="-128"/>
-                <a:ea typeface="MS Gothic" pitchFamily="49" charset="-128"/>
-                <a:cs typeface="Source Sans Pro"/>
-                <a:sym typeface="Source Sans Pro"/>
+                <a:latin typeface="MS Gothic" panose="020B0609070205080204" pitchFamily="49" charset="-128"/>
+                <a:ea typeface="MS Gothic" panose="020B0609070205080204" pitchFamily="49" charset="-128"/>
+                <a:cs typeface="Source Sans Pro" panose="020B0503030403020204"/>
+                <a:sym typeface="Source Sans Pro" panose="020B0503030403020204"/>
               </a:rPr>
               <a:t>現實考量</a:t>
             </a:r>
@@ -7962,10 +7804,10 @@
               <a:solidFill>
                 <a:schemeClr val="tx1"/>
               </a:solidFill>
-              <a:latin typeface="MS Gothic" pitchFamily="49" charset="-128"/>
-              <a:ea typeface="MS Gothic" pitchFamily="49" charset="-128"/>
-              <a:cs typeface="Source Sans Pro"/>
-              <a:sym typeface="Source Sans Pro"/>
+              <a:latin typeface="MS Gothic" panose="020B0609070205080204" pitchFamily="49" charset="-128"/>
+              <a:ea typeface="MS Gothic" panose="020B0609070205080204" pitchFamily="49" charset="-128"/>
+              <a:cs typeface="Source Sans Pro" panose="020B0503030403020204"/>
+              <a:sym typeface="Source Sans Pro" panose="020B0503030403020204"/>
             </a:endParaRPr>
           </a:p>
         </p:txBody>
@@ -7973,9 +7815,7 @@
       <p:sp>
         <p:nvSpPr>
           <p:cNvPr id="9" name="Google Shape;223;p34"/>
-          <p:cNvSpPr txBox="1">
-            <a:spLocks/>
-          </p:cNvSpPr>
+          <p:cNvSpPr txBox="1"/>
           <p:nvPr/>
         </p:nvSpPr>
         <p:spPr>
@@ -8011,13 +7851,12 @@
                 <a:srgbClr val="000000"/>
               </a:buClr>
               <a:buSzTx/>
-              <a:buFont typeface="Arial"/>
-              <a:buNone/>
-              <a:tabLst/>
+              <a:buFont typeface="Arial" panose="020B0604020202020204"/>
+              <a:buNone/>
               <a:defRPr/>
             </a:pPr>
             <a:fld id="{00000000-1234-1234-1234-123412341234}" type="slidenum">
-              <a:rPr kumimoji="0" lang="en" sz="1200" b="0" i="0" u="none" strike="noStrike" kern="0" cap="none" spc="0" normalizeH="0" baseline="0" noProof="0" smtClean="0">
+              <a:rPr kumimoji="0" lang="en-GB" sz="1200" b="0" i="0" u="none" strike="noStrike" kern="0" cap="none" spc="0" normalizeH="0" baseline="0" noProof="0" smtClean="0">
                 <a:ln>
                   <a:noFill/>
                 </a:ln>
@@ -8027,33 +7866,13 @@
                 <a:effectLst/>
                 <a:uLnTx/>
                 <a:uFillTx/>
-                <a:latin typeface="Permanent Marker"/>
-                <a:ea typeface="Permanent Marker"/>
-                <a:cs typeface="Permanent Marker"/>
-                <a:sym typeface="Permanent Marker"/>
+                <a:latin typeface="Permanent Marker" panose="02000000000000000000"/>
+                <a:ea typeface="Permanent Marker" panose="02000000000000000000"/>
+                <a:cs typeface="Permanent Marker" panose="02000000000000000000"/>
+                <a:sym typeface="Permanent Marker" panose="02000000000000000000"/>
               </a:rPr>
-              <a:pPr marL="0" marR="0" lvl="0" indent="0" algn="ctr" defTabSz="914400" rtl="0" eaLnBrk="1" fontAlgn="auto" latinLnBrk="0" hangingPunct="1">
-                <a:lnSpc>
-                  <a:spcPct val="100000"/>
-                </a:lnSpc>
-                <a:spcBef>
-                  <a:spcPts val="0"/>
-                </a:spcBef>
-                <a:spcAft>
-                  <a:spcPts val="0"/>
-                </a:spcAft>
-                <a:buClr>
-                  <a:srgbClr val="000000"/>
-                </a:buClr>
-                <a:buSzTx/>
-                <a:buFont typeface="Arial"/>
-                <a:buNone/>
-                <a:tabLst/>
-                <a:defRPr/>
-              </a:pPr>
-              <a:t>4</a:t>
             </a:fld>
-            <a:endParaRPr kumimoji="0" lang="en" sz="1200" b="0" i="0" u="none" strike="noStrike" kern="0" cap="none" spc="0" normalizeH="0" baseline="0" noProof="0">
+            <a:endParaRPr kumimoji="0" lang="en-GB" sz="1200" b="0" i="0" u="none" strike="noStrike" kern="0" cap="none" spc="0" normalizeH="0" baseline="0" noProof="0">
               <a:ln>
                 <a:noFill/>
               </a:ln>
@@ -8063,10 +7882,10 @@
               <a:effectLst/>
               <a:uLnTx/>
               <a:uFillTx/>
-              <a:latin typeface="Permanent Marker"/>
-              <a:ea typeface="Permanent Marker"/>
-              <a:cs typeface="Permanent Marker"/>
-              <a:sym typeface="Permanent Marker"/>
+              <a:latin typeface="Permanent Marker" panose="02000000000000000000"/>
+              <a:ea typeface="Permanent Marker" panose="02000000000000000000"/>
+              <a:cs typeface="Permanent Marker" panose="02000000000000000000"/>
+              <a:sym typeface="Permanent Marker" panose="02000000000000000000"/>
             </a:endParaRPr>
           </a:p>
         </p:txBody>
@@ -8079,8 +7898,8 @@
         </p:nvSpPr>
         <p:spPr>
           <a:xfrm>
-            <a:off x="899592" y="2715766"/>
-            <a:ext cx="936104" cy="1872208"/>
+            <a:off x="827405" y="2571750"/>
+            <a:ext cx="1008380" cy="2016125"/>
           </a:xfrm>
           <a:prstGeom prst="rect">
             <a:avLst/>
@@ -8125,8 +7944,8 @@
         </p:nvSpPr>
         <p:spPr>
           <a:xfrm>
-            <a:off x="1907704" y="2643758"/>
-            <a:ext cx="1224136" cy="584775"/>
+            <a:off x="1907540" y="2571750"/>
+            <a:ext cx="1363345" cy="645160"/>
           </a:xfrm>
           <a:prstGeom prst="rect">
             <a:avLst/>
@@ -8140,50 +7959,22 @@
           <a:lstStyle/>
           <a:p>
             <a:r>
-              <a:rPr lang="zh-TW" altLang="en-US" sz="1600" dirty="0" smtClean="0">
-                <a:latin typeface="MS Gothic" pitchFamily="49" charset="-128"/>
-                <a:ea typeface="MS Gothic" pitchFamily="49" charset="-128"/>
+              <a:rPr lang="zh-TW" altLang="en-US" sz="1800" dirty="0" smtClean="0">
+                <a:latin typeface="MS Gothic" panose="020B0609070205080204" pitchFamily="49" charset="-128"/>
+                <a:ea typeface="MS Gothic" panose="020B0609070205080204" pitchFamily="49" charset="-128"/>
               </a:rPr>
-              <a:t>畫面</a:t>
+              <a:t>畫面裡要放什麼東西</a:t>
             </a:r>
             <a:r>
-              <a:rPr lang="zh-TW" altLang="en-US" sz="1600" dirty="0" smtClean="0">
-                <a:latin typeface="MS Gothic" pitchFamily="49" charset="-128"/>
-                <a:ea typeface="MS Gothic" pitchFamily="49" charset="-128"/>
-              </a:rPr>
-              <a:t>裡</a:t>
-            </a:r>
-            <a:r>
-              <a:rPr lang="zh-TW" altLang="en-US" sz="1600" dirty="0" smtClean="0">
-                <a:latin typeface="MS Gothic" pitchFamily="49" charset="-128"/>
-                <a:ea typeface="MS Gothic" pitchFamily="49" charset="-128"/>
-              </a:rPr>
-              <a:t>要放</a:t>
-            </a:r>
-            <a:r>
-              <a:rPr lang="zh-TW" altLang="en-US" sz="1600" dirty="0" smtClean="0">
-                <a:latin typeface="MS Gothic" pitchFamily="49" charset="-128"/>
-                <a:ea typeface="MS Gothic" pitchFamily="49" charset="-128"/>
-              </a:rPr>
-              <a:t>什麼</a:t>
-            </a:r>
-            <a:r>
-              <a:rPr lang="zh-TW" altLang="en-US" sz="1600" dirty="0" smtClean="0">
-                <a:latin typeface="MS Gothic" pitchFamily="49" charset="-128"/>
-                <a:ea typeface="MS Gothic" pitchFamily="49" charset="-128"/>
-              </a:rPr>
-              <a:t>東西</a:t>
-            </a:r>
-            <a:r>
-              <a:rPr lang="en-US" altLang="zh-TW" sz="1600" dirty="0" smtClean="0">
-                <a:latin typeface="MS Gothic" pitchFamily="49" charset="-128"/>
-                <a:ea typeface="MS Gothic" pitchFamily="49" charset="-128"/>
+              <a:rPr lang="en-US" altLang="zh-TW" sz="1800" dirty="0" smtClean="0">
+                <a:latin typeface="MS Gothic" panose="020B0609070205080204" pitchFamily="49" charset="-128"/>
+                <a:ea typeface="MS Gothic" panose="020B0609070205080204" pitchFamily="49" charset="-128"/>
               </a:rPr>
               <a:t>?</a:t>
             </a:r>
-            <a:endParaRPr lang="zh-TW" altLang="en-US" sz="1600" dirty="0">
-              <a:latin typeface="MS Gothic" pitchFamily="49" charset="-128"/>
-              <a:ea typeface="MS Gothic" pitchFamily="49" charset="-128"/>
+            <a:endParaRPr lang="en-US" altLang="zh-TW" sz="1800" dirty="0" smtClean="0">
+              <a:latin typeface="MS Gothic" panose="020B0609070205080204" pitchFamily="49" charset="-128"/>
+              <a:ea typeface="MS Gothic" panose="020B0609070205080204" pitchFamily="49" charset="-128"/>
             </a:endParaRPr>
           </a:p>
         </p:txBody>
@@ -8196,7 +7987,7 @@
         </p:nvSpPr>
         <p:spPr>
           <a:xfrm>
-            <a:off x="899592" y="2931790"/>
+            <a:off x="899592" y="2827015"/>
             <a:ext cx="936104" cy="307777"/>
           </a:xfrm>
           <a:prstGeom prst="rect">
@@ -8212,14 +8003,14 @@
           <a:p>
             <a:r>
               <a:rPr lang="zh-TW" altLang="en-US" dirty="0" smtClean="0">
-                <a:latin typeface="MS Gothic" pitchFamily="49" charset="-128"/>
-                <a:ea typeface="MS Gothic" pitchFamily="49" charset="-128"/>
+                <a:latin typeface="MS Gothic" panose="020B0609070205080204" pitchFamily="49" charset="-128"/>
+                <a:ea typeface="MS Gothic" panose="020B0609070205080204" pitchFamily="49" charset="-128"/>
               </a:rPr>
               <a:t>遊戲畫面</a:t>
             </a:r>
             <a:endParaRPr lang="zh-TW" altLang="en-US" dirty="0">
-              <a:latin typeface="MS Gothic" pitchFamily="49" charset="-128"/>
-              <a:ea typeface="MS Gothic" pitchFamily="49" charset="-128"/>
+              <a:latin typeface="MS Gothic" panose="020B0609070205080204" pitchFamily="49" charset="-128"/>
+              <a:ea typeface="MS Gothic" panose="020B0609070205080204" pitchFamily="49" charset="-128"/>
             </a:endParaRPr>
           </a:p>
         </p:txBody>
@@ -8233,7 +8024,7 @@
           <p:nvPr/>
         </p:nvPicPr>
         <p:blipFill>
-          <a:blip r:embed="rId3"/>
+          <a:blip r:embed="rId1"/>
           <a:stretch>
             <a:fillRect/>
           </a:stretch>
@@ -8256,8 +8047,8 @@
         </p:nvSpPr>
         <p:spPr>
           <a:xfrm>
-            <a:off x="3347864" y="2643758"/>
-            <a:ext cx="2341522" cy="338554"/>
+            <a:off x="3342149" y="2490088"/>
+            <a:ext cx="2341522" cy="645160"/>
           </a:xfrm>
           <a:prstGeom prst="rect">
             <a:avLst/>
@@ -8271,51 +8062,51 @@
           <a:lstStyle/>
           <a:p>
             <a:r>
-              <a:rPr lang="zh-TW" altLang="en-US" sz="1600" dirty="0" smtClean="0">
-                <a:latin typeface="MS Gothic" pitchFamily="49" charset="-128"/>
-                <a:ea typeface="MS Gothic" pitchFamily="49" charset="-128"/>
+              <a:rPr lang="zh-TW" altLang="en-US" sz="1800" dirty="0" smtClean="0">
+                <a:latin typeface="MS Gothic" panose="020B0609070205080204" pitchFamily="49" charset="-128"/>
+                <a:ea typeface="MS Gothic" panose="020B0609070205080204" pitchFamily="49" charset="-128"/>
               </a:rPr>
-              <a:t>想</a:t>
+              <a:t>想引用別人的</a:t>
             </a:r>
+            <a:endParaRPr lang="zh-TW" altLang="en-US" sz="1800" dirty="0" smtClean="0">
+              <a:latin typeface="MS Gothic" panose="020B0609070205080204" pitchFamily="49" charset="-128"/>
+              <a:ea typeface="MS Gothic" panose="020B0609070205080204" pitchFamily="49" charset="-128"/>
+            </a:endParaRPr>
+          </a:p>
+          <a:p>
             <a:r>
-              <a:rPr lang="zh-TW" altLang="en-US" sz="1600" dirty="0" smtClean="0">
-                <a:latin typeface="MS Gothic" pitchFamily="49" charset="-128"/>
-                <a:ea typeface="MS Gothic" pitchFamily="49" charset="-128"/>
+              <a:rPr lang="zh-TW" altLang="en-US" sz="1800" dirty="0" smtClean="0">
+                <a:latin typeface="MS Gothic" panose="020B0609070205080204" pitchFamily="49" charset="-128"/>
+                <a:ea typeface="MS Gothic" panose="020B0609070205080204" pitchFamily="49" charset="-128"/>
               </a:rPr>
-              <a:t>引用</a:t>
+              <a:t>波紋效果</a:t>
             </a:r>
-            <a:r>
-              <a:rPr lang="zh-TW" altLang="en-US" sz="1600" dirty="0" smtClean="0">
-                <a:latin typeface="MS Gothic" pitchFamily="49" charset="-128"/>
-                <a:ea typeface="MS Gothic" pitchFamily="49" charset="-128"/>
-              </a:rPr>
-              <a:t>別人的波紋效果</a:t>
-            </a:r>
-            <a:endParaRPr lang="en-US" altLang="zh-TW" sz="1600" dirty="0" smtClean="0">
-              <a:latin typeface="MS Gothic" pitchFamily="49" charset="-128"/>
-              <a:ea typeface="MS Gothic" pitchFamily="49" charset="-128"/>
+            <a:endParaRPr lang="zh-TW" altLang="en-US" sz="1800" dirty="0" smtClean="0">
+              <a:latin typeface="MS Gothic" panose="020B0609070205080204" pitchFamily="49" charset="-128"/>
+              <a:ea typeface="MS Gothic" panose="020B0609070205080204" pitchFamily="49" charset="-128"/>
             </a:endParaRPr>
           </a:p>
         </p:txBody>
       </p:sp>
       <p:pic>
         <p:nvPicPr>
-          <p:cNvPr id="15" name="圖片 14" descr="過程量表.png"/>
+          <p:cNvPr id="15" name="圖片 14" descr="D:\Labhtml\Project\img\過程量表.png過程量表"/>
           <p:cNvPicPr>
             <a:picLocks noChangeAspect="1"/>
           </p:cNvPicPr>
           <p:nvPr/>
         </p:nvPicPr>
         <p:blipFill>
-          <a:blip r:embed="rId4"/>
+          <a:blip r:embed="rId2"/>
+          <a:srcRect/>
           <a:stretch>
             <a:fillRect/>
           </a:stretch>
         </p:blipFill>
         <p:spPr>
           <a:xfrm>
-            <a:off x="7380312" y="2571750"/>
-            <a:ext cx="1208644" cy="2088232"/>
+            <a:off x="7391861" y="2571750"/>
+            <a:ext cx="1185545" cy="2088232"/>
           </a:xfrm>
           <a:prstGeom prst="rect">
             <a:avLst/>
@@ -8330,8 +8121,8 @@
         </p:nvSpPr>
         <p:spPr>
           <a:xfrm>
-            <a:off x="5868144" y="2643758"/>
-            <a:ext cx="1800200" cy="338554"/>
+            <a:off x="5856714" y="2572003"/>
+            <a:ext cx="1800200" cy="368300"/>
           </a:xfrm>
           <a:prstGeom prst="rect">
             <a:avLst/>
@@ -8345,22 +8136,15 @@
           <a:lstStyle/>
           <a:p>
             <a:r>
-              <a:rPr lang="zh-TW" altLang="en-US" sz="1600" dirty="0" smtClean="0">
-                <a:latin typeface="MS Gothic" pitchFamily="49" charset="-128"/>
-                <a:ea typeface="MS Gothic" pitchFamily="49" charset="-128"/>
+              <a:rPr lang="zh-TW" altLang="en-US" sz="1800" dirty="0" smtClean="0">
+                <a:latin typeface="MS Gothic" panose="020B0609070205080204" pitchFamily="49" charset="-128"/>
+                <a:ea typeface="MS Gothic" panose="020B0609070205080204" pitchFamily="49" charset="-128"/>
               </a:rPr>
-              <a:t>時程上的</a:t>
+              <a:t>時程上的安排</a:t>
             </a:r>
-            <a:r>
-              <a:rPr lang="zh-TW" altLang="en-US" sz="1600" dirty="0" smtClean="0">
-                <a:latin typeface="MS Gothic" pitchFamily="49" charset="-128"/>
-                <a:ea typeface="MS Gothic" pitchFamily="49" charset="-128"/>
-              </a:rPr>
-              <a:t>安排</a:t>
-            </a:r>
-            <a:endParaRPr lang="en-US" altLang="zh-TW" sz="1600" dirty="0" smtClean="0">
-              <a:latin typeface="MS Gothic" pitchFamily="49" charset="-128"/>
-              <a:ea typeface="MS Gothic" pitchFamily="49" charset="-128"/>
+            <a:endParaRPr lang="zh-TW" altLang="en-US" sz="1800" dirty="0" smtClean="0">
+              <a:latin typeface="MS Gothic" panose="020B0609070205080204" pitchFamily="49" charset="-128"/>
+              <a:ea typeface="MS Gothic" panose="020B0609070205080204" pitchFamily="49" charset="-128"/>
             </a:endParaRPr>
           </a:p>
         </p:txBody>
@@ -8370,6 +8154,9 @@
   <p:clrMapOvr>
     <a:masterClrMapping/>
   </p:clrMapOvr>
+  <p:transition>
+    <p:fade thruBlk="1"/>
+  </p:transition>
 </p:sld>
 </file>
 
@@ -8379,9 +8166,7 @@
     <p:bg>
       <p:bgPr>
         <a:blipFill>
-          <a:blip r:embed="rId3">
-            <a:alphaModFix/>
-          </a:blip>
+          <a:blip r:embed="rId1"/>
           <a:stretch>
             <a:fillRect/>
           </a:stretch>
@@ -8438,17 +8223,7 @@
               <a:buNone/>
             </a:pPr>
             <a:fld id="{00000000-1234-1234-1234-123412341234}" type="slidenum">
-              <a:rPr lang="en"/>
-              <a:pPr marL="0" lvl="0" indent="0" algn="ctr" rtl="0">
-                <a:spcBef>
-                  <a:spcPts val="0"/>
-                </a:spcBef>
-                <a:spcAft>
-                  <a:spcPts val="0"/>
-                </a:spcAft>
-                <a:buNone/>
-              </a:pPr>
-              <a:t>5</a:t>
+              <a:rPr lang="en-GB"/>
             </a:fld>
             <a:endParaRPr dirty="0"/>
           </a:p>
@@ -8489,14 +8264,14 @@
               <a:buNone/>
             </a:pPr>
             <a:r>
-              <a:rPr lang="en" sz="1000">
+              <a:rPr lang="en-GB" sz="1000">
                 <a:solidFill>
                   <a:schemeClr val="lt1"/>
                 </a:solidFill>
-                <a:latin typeface="Source Sans Pro"/>
-                <a:ea typeface="Source Sans Pro"/>
-                <a:cs typeface="Source Sans Pro"/>
-                <a:sym typeface="Source Sans Pro"/>
+                <a:latin typeface="Source Sans Pro" panose="020B0503030403020204"/>
+                <a:ea typeface="Source Sans Pro" panose="020B0503030403020204"/>
+                <a:cs typeface="Source Sans Pro" panose="020B0503030403020204"/>
+                <a:sym typeface="Source Sans Pro" panose="020B0503030403020204"/>
               </a:rPr>
               <a:t>Place your screenshot here</a:t>
             </a:r>
@@ -8504,10 +8279,10 @@
               <a:solidFill>
                 <a:schemeClr val="lt1"/>
               </a:solidFill>
-              <a:latin typeface="Source Sans Pro"/>
-              <a:ea typeface="Source Sans Pro"/>
-              <a:cs typeface="Source Sans Pro"/>
-              <a:sym typeface="Source Sans Pro"/>
+              <a:latin typeface="Source Sans Pro" panose="020B0503030403020204"/>
+              <a:ea typeface="Source Sans Pro" panose="020B0503030403020204"/>
+              <a:cs typeface="Source Sans Pro" panose="020B0503030403020204"/>
+              <a:sym typeface="Source Sans Pro" panose="020B0503030403020204"/>
             </a:endParaRPr>
           </a:p>
         </p:txBody>
@@ -8796,7 +8571,6 @@
                 </a:spcAft>
                 <a:buNone/>
               </a:pPr>
-              <a:endParaRPr/>
             </a:p>
           </p:txBody>
         </p:sp>
@@ -8955,7 +8729,6 @@
                 </a:spcAft>
                 <a:buNone/>
               </a:pPr>
-              <a:endParaRPr/>
             </a:p>
           </p:txBody>
         </p:sp>
@@ -9108,7 +8881,6 @@
                 </a:spcAft>
                 <a:buNone/>
               </a:pPr>
-              <a:endParaRPr/>
             </a:p>
           </p:txBody>
         </p:sp>
@@ -9267,7 +9039,6 @@
                 </a:spcAft>
                 <a:buNone/>
               </a:pPr>
-              <a:endParaRPr/>
             </a:p>
           </p:txBody>
         </p:sp>
@@ -9275,9 +9046,7 @@
       <p:sp>
         <p:nvSpPr>
           <p:cNvPr id="10" name="Google Shape;285;p40"/>
-          <p:cNvSpPr txBox="1">
-            <a:spLocks/>
-          </p:cNvSpPr>
+          <p:cNvSpPr txBox="1"/>
           <p:nvPr/>
         </p:nvSpPr>
         <p:spPr>
@@ -9313,9 +9082,8 @@
                 <a:schemeClr val="dk1"/>
               </a:buClr>
               <a:buSzPts val="2400"/>
-              <a:buFont typeface="Permanent Marker"/>
-              <a:buNone/>
-              <a:tabLst/>
+              <a:buFont typeface="Permanent Marker" panose="02000000000000000000"/>
+              <a:buNone/>
               <a:defRPr/>
             </a:pPr>
             <a:r>
@@ -9329,10 +9097,10 @@
                 <a:effectLst/>
                 <a:uLnTx/>
                 <a:uFillTx/>
-                <a:latin typeface="MS Gothic" pitchFamily="49" charset="-128"/>
-                <a:ea typeface="MS Gothic" pitchFamily="49" charset="-128"/>
-                <a:cs typeface="Permanent Marker"/>
-                <a:sym typeface="Permanent Marker"/>
+                <a:latin typeface="MS Gothic" panose="020B0609070205080204" pitchFamily="49" charset="-128"/>
+                <a:ea typeface="MS Gothic" panose="020B0609070205080204" pitchFamily="49" charset="-128"/>
+                <a:cs typeface="Permanent Marker" panose="02000000000000000000"/>
+                <a:sym typeface="Permanent Marker" panose="02000000000000000000"/>
               </a:rPr>
               <a:t>結束與成果呈現</a:t>
             </a:r>
@@ -9346,10 +9114,10 @@
               <a:effectLst/>
               <a:uLnTx/>
               <a:uFillTx/>
-              <a:latin typeface="MS Gothic" pitchFamily="49" charset="-128"/>
-              <a:ea typeface="MS Gothic" pitchFamily="49" charset="-128"/>
-              <a:cs typeface="Permanent Marker"/>
-              <a:sym typeface="Permanent Marker"/>
+              <a:latin typeface="MS Gothic" panose="020B0609070205080204" pitchFamily="49" charset="-128"/>
+              <a:ea typeface="MS Gothic" panose="020B0609070205080204" pitchFamily="49" charset="-128"/>
+              <a:cs typeface="Permanent Marker" panose="02000000000000000000"/>
+              <a:sym typeface="Permanent Marker" panose="02000000000000000000"/>
             </a:endParaRPr>
           </a:p>
         </p:txBody>
@@ -9357,7 +9125,7 @@
       <p:pic>
         <p:nvPicPr>
           <p:cNvPr id="11" name="圖片 10" descr="開始.png">
-            <a:hlinkClick r:id="rId4" action="ppaction://hlinkfile"/>
+            <a:hlinkClick r:id="rId2" action="ppaction://hlinkfile"/>
           </p:cNvPr>
           <p:cNvPicPr>
             <a:picLocks noChangeAspect="1"/>
@@ -9365,7 +9133,7 @@
           <p:nvPr/>
         </p:nvPicPr>
         <p:blipFill>
-          <a:blip r:embed="rId5"/>
+          <a:blip r:embed="rId3"/>
           <a:stretch>
             <a:fillRect/>
           </a:stretch>
@@ -9404,22 +9172,23 @@
           <a:p>
             <a:r>
               <a:rPr lang="zh-TW" altLang="en-US" sz="1200" dirty="0" smtClean="0">
-                <a:latin typeface="MS Gothic" pitchFamily="49" charset="-128"/>
-                <a:ea typeface="MS Gothic" pitchFamily="49" charset="-128"/>
+                <a:latin typeface="MS Gothic" panose="020B0609070205080204" pitchFamily="49" charset="-128"/>
+                <a:ea typeface="MS Gothic" panose="020B0609070205080204" pitchFamily="49" charset="-128"/>
               </a:rPr>
               <a:t>資料來源：</a:t>
             </a:r>
             <a:r>
               <a:rPr lang="en-US" altLang="zh-TW" sz="1200" dirty="0" smtClean="0">
-                <a:hlinkClick r:id="rId6"/>
+                <a:hlinkClick r:id="rId4"/>
               </a:rPr>
               <a:t> </a:t>
             </a:r>
+            <a:endParaRPr lang="en-US" altLang="zh-TW" sz="1200" dirty="0" smtClean="0"/>
           </a:p>
           <a:p>
             <a:r>
               <a:rPr lang="en-US" altLang="zh-TW" sz="1200" dirty="0" smtClean="0">
-                <a:hlinkClick r:id="rId6"/>
+                <a:hlinkClick r:id="rId4"/>
               </a:rPr>
               <a:t>https://www.slidescarnival.com/timon-free-presentation-template/154</a:t>
             </a:r>
@@ -9428,7 +9197,7 @@
           <a:p>
             <a:r>
               <a:rPr lang="en-US" altLang="zh-TW" sz="1200" dirty="0" smtClean="0">
-                <a:hlinkClick r:id="rId7"/>
+                <a:hlinkClick r:id="rId5"/>
               </a:rPr>
               <a:t>https://code.almeros.com/water-ripple-canvas-and-javascript/</a:t>
             </a:r>
@@ -9437,7 +9206,7 @@
           <a:p>
             <a:r>
               <a:rPr lang="en-US" altLang="zh-TW" sz="1200" dirty="0" smtClean="0">
-                <a:hlinkClick r:id="rId8"/>
+                <a:hlinkClick r:id="rId6"/>
               </a:rPr>
               <a:t>https://www.youtube.com/audiolibrary/music</a:t>
             </a:r>
@@ -9446,7 +9215,7 @@
           <a:p>
             <a:r>
               <a:rPr lang="en-US" altLang="zh-TW" sz="1200" dirty="0" smtClean="0">
-                <a:hlinkClick r:id="rId9"/>
+                <a:hlinkClick r:id="rId7"/>
               </a:rPr>
               <a:t>https://samplefocus.com/</a:t>
             </a:r>
@@ -9455,7 +9224,7 @@
           <a:p>
             <a:r>
               <a:rPr lang="en-US" altLang="zh-TW" sz="1200" dirty="0" smtClean="0">
-                <a:hlinkClick r:id="rId10"/>
+                <a:hlinkClick r:id="rId8"/>
               </a:rPr>
               <a:t>https://www.soundjay.com/</a:t>
             </a:r>
@@ -9467,20 +9236,20 @@
           <a:p>
             <a:r>
               <a:rPr lang="zh-TW" altLang="en-US" sz="1200" dirty="0" smtClean="0">
-                <a:latin typeface="MS Gothic" pitchFamily="49" charset="-128"/>
-                <a:ea typeface="MS Gothic" pitchFamily="49" charset="-128"/>
+                <a:latin typeface="MS Gothic" panose="020B0609070205080204" pitchFamily="49" charset="-128"/>
+                <a:ea typeface="MS Gothic" panose="020B0609070205080204" pitchFamily="49" charset="-128"/>
               </a:rPr>
               <a:t>技術拯救：</a:t>
             </a:r>
             <a:endParaRPr lang="en-US" altLang="zh-TW" sz="1200" dirty="0" smtClean="0">
-              <a:latin typeface="MS Gothic" pitchFamily="49" charset="-128"/>
-              <a:ea typeface="MS Gothic" pitchFamily="49" charset="-128"/>
+              <a:latin typeface="MS Gothic" panose="020B0609070205080204" pitchFamily="49" charset="-128"/>
+              <a:ea typeface="MS Gothic" panose="020B0609070205080204" pitchFamily="49" charset="-128"/>
             </a:endParaRPr>
           </a:p>
           <a:p>
             <a:r>
               <a:rPr lang="en-US" altLang="zh-TW" sz="1200" dirty="0" smtClean="0">
-                <a:hlinkClick r:id="rId11"/>
+                <a:hlinkClick r:id="rId9"/>
               </a:rPr>
               <a:t>https://www.w3schools.com/</a:t>
             </a:r>
@@ -9489,7 +9258,7 @@
           <a:p>
             <a:r>
               <a:rPr lang="en-US" altLang="zh-TW" sz="1200" dirty="0" smtClean="0">
-                <a:hlinkClick r:id="rId12"/>
+                <a:hlinkClick r:id="rId10"/>
               </a:rPr>
               <a:t>https://www.google.com/</a:t>
             </a:r>
@@ -9497,8 +9266,8 @@
           </a:p>
           <a:p>
             <a:endParaRPr lang="zh-TW" altLang="en-US" sz="1800" dirty="0">
-              <a:latin typeface="MS Gothic" pitchFamily="49" charset="-128"/>
-              <a:ea typeface="MS Gothic" pitchFamily="49" charset="-128"/>
+              <a:latin typeface="MS Gothic" panose="020B0609070205080204" pitchFamily="49" charset="-128"/>
+              <a:ea typeface="MS Gothic" panose="020B0609070205080204" pitchFamily="49" charset="-128"/>
             </a:endParaRPr>
           </a:p>
         </p:txBody>
@@ -9508,6 +9277,9 @@
   <p:clrMapOvr>
     <a:masterClrMapping/>
   </p:clrMapOvr>
+  <p:transition>
+    <p:fade thruBlk="1"/>
+  </p:transition>
   <p:timing>
     <p:tnLst>
       <p:par>
@@ -9794,8 +9566,11 @@
       </a:bgFillStyleLst>
     </a:fmtScheme>
   </a:themeElements>
-  <a:objectDefaults/>
-  <a:extraClrSchemeLst/>
+  <a:extLst>
+    <a:ext uri="{05A4C25C-085E-4340-85A3-A5531E510DB2}">
+      <thm15:themeFamily xmlns:thm15="http://schemas.microsoft.com/office/thememl/2012/main" name="Office Theme" id="{62F939B6-93AF-4DB8-9C6B-D6C7DFDC589F}" vid="{4A3C46E8-61CC-4603-A589-7422A47A8E4A}"/>
+    </a:ext>
+  </a:extLst>
 </a:theme>
 </file>
 
@@ -10075,7 +9850,10 @@
       </a:bgFillStyleLst>
     </a:fmtScheme>
   </a:themeElements>
-  <a:objectDefaults/>
-  <a:extraClrSchemeLst/>
+  <a:extLst>
+    <a:ext uri="{05A4C25C-085E-4340-85A3-A5531E510DB2}">
+      <thm15:themeFamily xmlns:thm15="http://schemas.microsoft.com/office/thememl/2012/main" name="Office Theme" id="{62F939B6-93AF-4DB8-9C6B-D6C7DFDC589F}" vid="{4A3C46E8-61CC-4603-A589-7422A47A8E4A}"/>
+    </a:ext>
+  </a:extLst>
 </a:theme>
 </file>
--- a/莊傳偉小專發表.pptx
+++ b/莊傳偉小專發表.pptx
@@ -8090,7 +8090,7 @@
       </p:sp>
       <p:pic>
         <p:nvPicPr>
-          <p:cNvPr id="15" name="圖片 14" descr="D:\Labhtml\Project\img\過程量表.png過程量表"/>
+          <p:cNvPr id="15" name="圖片 14" descr="D:\Labhtml\Project\img\波紋.png波紋"/>
           <p:cNvPicPr>
             <a:picLocks noChangeAspect="1"/>
           </p:cNvPicPr>
@@ -8105,8 +8105,8 @@
         </p:blipFill>
         <p:spPr>
           <a:xfrm>
-            <a:off x="7391861" y="2571750"/>
-            <a:ext cx="1185545" cy="2088232"/>
+            <a:off x="7391861" y="2576689"/>
+            <a:ext cx="1185545" cy="2078355"/>
           </a:xfrm>
           <a:prstGeom prst="rect">
             <a:avLst/>
